--- a/mvc/slides/14_webapi.pptx
+++ b/mvc/slides/14_webapi.pptx
@@ -2,7 +2,7 @@
 <file path=ppt/presentation.xml><?xml version="1.0" encoding="utf-8"?>
 <p:presentation xmlns:a="http://schemas.openxmlformats.org/drawingml/2006/main" xmlns:r="http://schemas.openxmlformats.org/officeDocument/2006/relationships" xmlns:p="http://schemas.openxmlformats.org/presentationml/2006/main" saveSubsetFonts="1">
   <p:sldMasterIdLst>
-    <p:sldMasterId id="2147483731" r:id="rId4"/>
+    <p:sldMasterId id="2147483739" r:id="rId4"/>
   </p:sldMasterIdLst>
   <p:notesMasterIdLst>
     <p:notesMasterId r:id="rId20"/>
@@ -265,7 +265,7 @@
             <a:fld id="{923FAA13-3E1B-4A40-BCE0-2A4101C91A56}" type="datetimeFigureOut">
               <a:rPr lang="en-US" smtClean="0"/>
               <a:pPr/>
-              <a:t>6/16/2012</a:t>
+              <a:t>6/21/2012</a:t>
             </a:fld>
             <a:endParaRPr lang="en-US"/>
           </a:p>
@@ -886,8 +886,8 @@
 </file>
 
 <file path=ppt/slideLayouts/slideLayout1.xml><?xml version="1.0" encoding="utf-8"?>
-<p:sldLayout xmlns:a="http://schemas.openxmlformats.org/drawingml/2006/main" xmlns:r="http://schemas.openxmlformats.org/officeDocument/2006/relationships" xmlns:p="http://schemas.openxmlformats.org/presentationml/2006/main" showMasterSp="0" type="title" preserve="1">
-  <p:cSld name="2_Title Slide">
+<p:sldLayout xmlns:a="http://schemas.openxmlformats.org/drawingml/2006/main" xmlns:r="http://schemas.openxmlformats.org/officeDocument/2006/relationships" xmlns:p="http://schemas.openxmlformats.org/presentationml/2006/main" type="title" preserve="1">
+  <p:cSld name="Title Slide">
     <p:spTree>
       <p:nvGrpSpPr>
         <p:cNvPr id="1" name=""/>
@@ -914,7 +914,7 @@
         </p:nvSpPr>
         <p:spPr>
           <a:xfrm>
-            <a:off x="685800" y="533400"/>
+            <a:off x="685800" y="1219200"/>
             <a:ext cx="7772400" cy="1933575"/>
           </a:xfrm>
           <a:noFill/>
@@ -950,7 +950,7 @@
         </p:nvSpPr>
         <p:spPr>
           <a:xfrm>
-            <a:off x="2057400" y="2667000"/>
+            <a:off x="2057400" y="3505200"/>
             <a:ext cx="6400800" cy="1752600"/>
           </a:xfrm>
         </p:spPr>
@@ -976,38 +976,49 @@
       </p:sp>
       <p:pic>
         <p:nvPicPr>
-          <p:cNvPr id="5" name="Picture 4" descr="ppt support_title-01.png"/>
+          <p:cNvPr id="9" name="Picture 6" descr="http://www.odetocode.com/">
+            <a:hlinkClick r:id="rId2"/>
+          </p:cNvPr>
           <p:cNvPicPr>
-            <a:picLocks noChangeAspect="1"/>
+            <a:picLocks noChangeAspect="1" noChangeArrowheads="1"/>
           </p:cNvPicPr>
           <p:nvPr userDrawn="1"/>
         </p:nvPicPr>
         <p:blipFill>
-          <a:blip r:embed="rId2">
-            <a:extLst>
-              <a:ext uri="{28A0092B-C50C-407E-A947-70E740481C1C}">
-                <a14:useLocalDpi xmlns:a14="http://schemas.microsoft.com/office/drawing/2010/main" val="0"/>
-              </a:ext>
-            </a:extLst>
-          </a:blip>
+          <a:blip r:embed="rId3"/>
+          <a:srcRect r="26934"/>
           <a:stretch>
             <a:fillRect/>
           </a:stretch>
         </p:blipFill>
-        <p:spPr>
+        <p:spPr bwMode="auto">
           <a:xfrm>
-            <a:off x="0" y="-76200"/>
-            <a:ext cx="8875059" cy="6858000"/>
+            <a:off x="7620000" y="6248400"/>
+            <a:ext cx="1295400" cy="439103"/>
           </a:xfrm>
           <a:prstGeom prst="rect">
             <a:avLst/>
           </a:prstGeom>
+          <a:ln w="38100" cap="sq">
+            <a:solidFill>
+              <a:srgbClr val="000000"/>
+            </a:solidFill>
+            <a:prstDash val="solid"/>
+            <a:miter lim="800000"/>
+          </a:ln>
+          <a:effectLst>
+            <a:outerShdw blurRad="50800" dist="38100" dir="2700000" algn="tl" rotWithShape="0">
+              <a:srgbClr val="000000">
+                <a:alpha val="43000"/>
+              </a:srgbClr>
+            </a:outerShdw>
+          </a:effectLst>
         </p:spPr>
       </p:pic>
     </p:spTree>
     <p:extLst>
       <p:ext uri="{BB962C8B-B14F-4D97-AF65-F5344CB8AC3E}">
-        <p14:creationId xmlns:p14="http://schemas.microsoft.com/office/powerpoint/2010/main" val="3274037800"/>
+        <p14:creationId xmlns:p14="http://schemas.microsoft.com/office/powerpoint/2010/main" val="3838648748"/>
       </p:ext>
     </p:extLst>
   </p:cSld>
@@ -1017,7 +1028,161 @@
   <p:transition>
     <p:fade/>
   </p:transition>
-  <p:hf hdr="0" ftr="0" dt="0"/>
+</p:sldLayout>
+</file>
+
+<file path=ppt/slideLayouts/slideLayout10.xml><?xml version="1.0" encoding="utf-8"?>
+<p:sldLayout xmlns:a="http://schemas.openxmlformats.org/drawingml/2006/main" xmlns:r="http://schemas.openxmlformats.org/officeDocument/2006/relationships" xmlns:p="http://schemas.openxmlformats.org/presentationml/2006/main" preserve="1" userDrawn="1">
+  <p:cSld name="3_Code Sample">
+    <p:spTree>
+      <p:nvGrpSpPr>
+        <p:cNvPr id="1" name=""/>
+        <p:cNvGrpSpPr/>
+        <p:nvPr/>
+      </p:nvGrpSpPr>
+      <p:grpSpPr>
+        <a:xfrm>
+          <a:off x="0" y="0"/>
+          <a:ext cx="0" cy="0"/>
+          <a:chOff x="0" y="0"/>
+          <a:chExt cx="0" cy="0"/>
+        </a:xfrm>
+      </p:grpSpPr>
+      <p:sp>
+        <p:nvSpPr>
+          <p:cNvPr id="2" name="Title 1"/>
+          <p:cNvSpPr>
+            <a:spLocks noGrp="1"/>
+          </p:cNvSpPr>
+          <p:nvPr>
+            <p:ph type="title"/>
+          </p:nvPr>
+        </p:nvSpPr>
+        <p:spPr/>
+        <p:txBody>
+          <a:bodyPr/>
+          <a:lstStyle/>
+          <a:p>
+            <a:r>
+              <a:rPr lang="en-US" smtClean="0"/>
+              <a:t>Click to edit Master title style</a:t>
+            </a:r>
+            <a:endParaRPr lang="en-US"/>
+          </a:p>
+        </p:txBody>
+      </p:sp>
+      <p:sp>
+        <p:nvSpPr>
+          <p:cNvPr id="5" name="Text Placeholder 4"/>
+          <p:cNvSpPr>
+            <a:spLocks noGrp="1"/>
+          </p:cNvSpPr>
+          <p:nvPr>
+            <p:ph type="body" sz="quarter" idx="10"/>
+          </p:nvPr>
+        </p:nvSpPr>
+        <p:spPr>
+          <a:xfrm>
+            <a:off x="1485900" y="1600200"/>
+            <a:ext cx="6172200" cy="3962400"/>
+          </a:xfrm>
+          <a:solidFill>
+            <a:schemeClr val="accent2"/>
+          </a:solidFill>
+          <a:ln w="9525">
+            <a:solidFill>
+              <a:schemeClr val="tx1"/>
+            </a:solidFill>
+          </a:ln>
+        </p:spPr>
+        <p:txBody>
+          <a:bodyPr/>
+          <a:lstStyle>
+            <a:lvl1pPr>
+              <a:buNone/>
+              <a:defRPr sz="1800" b="0">
+                <a:latin typeface="Consolas" pitchFamily="49" charset="0"/>
+              </a:defRPr>
+            </a:lvl1pPr>
+          </a:lstStyle>
+          <a:p>
+            <a:pPr lvl="0"/>
+            <a:r>
+              <a:rPr lang="en-US" smtClean="0"/>
+              <a:t>Click to edit Master text styles</a:t>
+            </a:r>
+          </a:p>
+        </p:txBody>
+      </p:sp>
+    </p:spTree>
+    <p:extLst>
+      <p:ext uri="{BB962C8B-B14F-4D97-AF65-F5344CB8AC3E}">
+        <p14:creationId xmlns:p14="http://schemas.microsoft.com/office/powerpoint/2010/main" val="313833055"/>
+      </p:ext>
+    </p:extLst>
+  </p:cSld>
+  <p:clrMapOvr>
+    <a:masterClrMapping/>
+  </p:clrMapOvr>
+  <p:transition>
+    <p:fade/>
+  </p:transition>
+</p:sldLayout>
+</file>
+
+<file path=ppt/slideLayouts/slideLayout11.xml><?xml version="1.0" encoding="utf-8"?>
+<p:sldLayout xmlns:a="http://schemas.openxmlformats.org/drawingml/2006/main" xmlns:r="http://schemas.openxmlformats.org/officeDocument/2006/relationships" xmlns:p="http://schemas.openxmlformats.org/presentationml/2006/main" preserve="1" userDrawn="1">
+  <p:cSld name="3_Blank">
+    <p:spTree>
+      <p:nvGrpSpPr>
+        <p:cNvPr id="1" name=""/>
+        <p:cNvGrpSpPr/>
+        <p:nvPr/>
+      </p:nvGrpSpPr>
+      <p:grpSpPr>
+        <a:xfrm>
+          <a:off x="0" y="0"/>
+          <a:ext cx="0" cy="0"/>
+          <a:chOff x="0" y="0"/>
+          <a:chExt cx="0" cy="0"/>
+        </a:xfrm>
+      </p:grpSpPr>
+      <p:sp>
+        <p:nvSpPr>
+          <p:cNvPr id="2" name="Title 1"/>
+          <p:cNvSpPr>
+            <a:spLocks noGrp="1"/>
+          </p:cNvSpPr>
+          <p:nvPr>
+            <p:ph type="title"/>
+          </p:nvPr>
+        </p:nvSpPr>
+        <p:spPr/>
+        <p:txBody>
+          <a:bodyPr rtlCol="0"/>
+          <a:lstStyle/>
+          <a:p>
+            <a:r>
+              <a:rPr lang="en-US" smtClean="0"/>
+              <a:t>Click to edit Master title style</a:t>
+            </a:r>
+            <a:endParaRPr lang="en-US"/>
+          </a:p>
+        </p:txBody>
+      </p:sp>
+    </p:spTree>
+    <p:extLst>
+      <p:ext uri="{BB962C8B-B14F-4D97-AF65-F5344CB8AC3E}">
+        <p14:creationId xmlns:p14="http://schemas.microsoft.com/office/powerpoint/2010/main" val="2528089471"/>
+      </p:ext>
+    </p:extLst>
+  </p:cSld>
+  <p:clrMapOvr>
+    <a:masterClrMapping/>
+  </p:clrMapOvr>
+  <p:transition>
+    <p:fade/>
+  </p:transition>
 </p:sldLayout>
 </file>
 
@@ -1165,7 +1330,7 @@
     </p:spTree>
     <p:extLst>
       <p:ext uri="{BB962C8B-B14F-4D97-AF65-F5344CB8AC3E}">
-        <p14:creationId xmlns:p14="http://schemas.microsoft.com/office/powerpoint/2010/main" val="4174362362"/>
+        <p14:creationId xmlns:p14="http://schemas.microsoft.com/office/powerpoint/2010/main" val="742732054"/>
       </p:ext>
     </p:extLst>
   </p:cSld>
@@ -1175,7 +1340,6 @@
   <p:transition>
     <p:fade/>
   </p:transition>
-  <p:hf hdr="0" ftr="0" dt="0"/>
 </p:sldLayout>
 </file>
 
@@ -1323,7 +1487,7 @@
     </p:spTree>
     <p:extLst>
       <p:ext uri="{BB962C8B-B14F-4D97-AF65-F5344CB8AC3E}">
-        <p14:creationId xmlns:p14="http://schemas.microsoft.com/office/powerpoint/2010/main" val="3732271582"/>
+        <p14:creationId xmlns:p14="http://schemas.microsoft.com/office/powerpoint/2010/main" val="3756343760"/>
       </p:ext>
     </p:extLst>
   </p:cSld>
@@ -1333,19 +1497,11 @@
   <p:transition>
     <p:fade/>
   </p:transition>
-  <p:timing>
-    <p:tnLst>
-      <p:par>
-        <p:cTn id="1" dur="indefinite" restart="never" nodeType="tmRoot"/>
-      </p:par>
-    </p:tnLst>
-  </p:timing>
-  <p:hf hdr="0" ftr="0" dt="0"/>
 </p:sldLayout>
 </file>
 
 <file path=ppt/slideLayouts/slideLayout4.xml><?xml version="1.0" encoding="utf-8"?>
-<p:sldLayout xmlns:a="http://schemas.openxmlformats.org/drawingml/2006/main" xmlns:r="http://schemas.openxmlformats.org/officeDocument/2006/relationships" xmlns:p="http://schemas.openxmlformats.org/presentationml/2006/main" preserve="1">
+<p:sldLayout xmlns:a="http://schemas.openxmlformats.org/drawingml/2006/main" xmlns:r="http://schemas.openxmlformats.org/officeDocument/2006/relationships" xmlns:p="http://schemas.openxmlformats.org/presentationml/2006/main" preserve="1" userDrawn="1">
   <p:cSld name="Code Sample">
     <p:spTree>
       <p:nvGrpSpPr>
@@ -1400,7 +1556,7 @@
             <a:ext cx="6172200" cy="3962400"/>
           </a:xfrm>
           <a:solidFill>
-            <a:srgbClr val="FFFFCC"/>
+            <a:schemeClr val="accent2"/>
           </a:solidFill>
           <a:ln w="9525">
             <a:solidFill>
@@ -1430,7 +1586,7 @@
     </p:spTree>
     <p:extLst>
       <p:ext uri="{BB962C8B-B14F-4D97-AF65-F5344CB8AC3E}">
-        <p14:creationId xmlns:p14="http://schemas.microsoft.com/office/powerpoint/2010/main" val="152274469"/>
+        <p14:creationId xmlns:p14="http://schemas.microsoft.com/office/powerpoint/2010/main" val="4201589323"/>
       </p:ext>
     </p:extLst>
   </p:cSld>
@@ -1440,12 +1596,11 @@
   <p:transition>
     <p:fade/>
   </p:transition>
-  <p:hf hdr="0" ftr="0" dt="0"/>
 </p:sldLayout>
 </file>
 
 <file path=ppt/slideLayouts/slideLayout5.xml><?xml version="1.0" encoding="utf-8"?>
-<p:sldLayout xmlns:a="http://schemas.openxmlformats.org/drawingml/2006/main" xmlns:r="http://schemas.openxmlformats.org/officeDocument/2006/relationships" xmlns:p="http://schemas.openxmlformats.org/presentationml/2006/main" preserve="1">
+<p:sldLayout xmlns:a="http://schemas.openxmlformats.org/drawingml/2006/main" xmlns:r="http://schemas.openxmlformats.org/officeDocument/2006/relationships" xmlns:p="http://schemas.openxmlformats.org/presentationml/2006/main" preserve="1" userDrawn="1">
   <p:cSld name="Blank">
     <p:spTree>
       <p:nvGrpSpPr>
@@ -1487,7 +1642,7 @@
     </p:spTree>
     <p:extLst>
       <p:ext uri="{BB962C8B-B14F-4D97-AF65-F5344CB8AC3E}">
-        <p14:creationId xmlns:p14="http://schemas.microsoft.com/office/powerpoint/2010/main" val="1109941804"/>
+        <p14:creationId xmlns:p14="http://schemas.microsoft.com/office/powerpoint/2010/main" val="3989598144"/>
       </p:ext>
     </p:extLst>
   </p:cSld>
@@ -1497,13 +1652,12 @@
   <p:transition>
     <p:fade/>
   </p:transition>
-  <p:hf hdr="0" ftr="0" dt="0"/>
 </p:sldLayout>
 </file>
 
 <file path=ppt/slideLayouts/slideLayout6.xml><?xml version="1.0" encoding="utf-8"?>
 <p:sldLayout xmlns:a="http://schemas.openxmlformats.org/drawingml/2006/main" xmlns:r="http://schemas.openxmlformats.org/officeDocument/2006/relationships" xmlns:p="http://schemas.openxmlformats.org/presentationml/2006/main" preserve="1" userDrawn="1">
-  <p:cSld name="Section Header">
+  <p:cSld name="1_Code Sample">
     <p:spTree>
       <p:nvGrpSpPr>
         <p:cNvPr id="1" name=""/>
@@ -1520,124 +1674,7 @@
       </p:grpSpPr>
       <p:sp>
         <p:nvSpPr>
-          <p:cNvPr id="3" name="Text Placeholder 2"/>
-          <p:cNvSpPr>
-            <a:spLocks noGrp="1"/>
-          </p:cNvSpPr>
-          <p:nvPr>
-            <p:ph type="body" idx="1"/>
-          </p:nvPr>
-        </p:nvSpPr>
-        <p:spPr>
-          <a:xfrm>
-            <a:off x="685800" y="2906713"/>
-            <a:ext cx="7772400" cy="1500187"/>
-          </a:xfrm>
-        </p:spPr>
-        <p:txBody>
-          <a:bodyPr anchor="b"/>
-          <a:lstStyle>
-            <a:lvl1pPr marL="0" indent="0">
-              <a:buNone/>
-              <a:defRPr sz="2000" i="0">
-                <a:solidFill>
-                  <a:schemeClr val="tx1"/>
-                </a:solidFill>
-              </a:defRPr>
-            </a:lvl1pPr>
-            <a:lvl2pPr marL="457200" indent="0">
-              <a:buNone/>
-              <a:defRPr sz="1800">
-                <a:solidFill>
-                  <a:schemeClr val="tx1">
-                    <a:tint val="75000"/>
-                  </a:schemeClr>
-                </a:solidFill>
-              </a:defRPr>
-            </a:lvl2pPr>
-            <a:lvl3pPr marL="914400" indent="0">
-              <a:buNone/>
-              <a:defRPr sz="1600">
-                <a:solidFill>
-                  <a:schemeClr val="tx1">
-                    <a:tint val="75000"/>
-                  </a:schemeClr>
-                </a:solidFill>
-              </a:defRPr>
-            </a:lvl3pPr>
-            <a:lvl4pPr marL="1371600" indent="0">
-              <a:buNone/>
-              <a:defRPr sz="1400">
-                <a:solidFill>
-                  <a:schemeClr val="tx1">
-                    <a:tint val="75000"/>
-                  </a:schemeClr>
-                </a:solidFill>
-              </a:defRPr>
-            </a:lvl4pPr>
-            <a:lvl5pPr marL="1828800" indent="0">
-              <a:buNone/>
-              <a:defRPr sz="1400">
-                <a:solidFill>
-                  <a:schemeClr val="tx1">
-                    <a:tint val="75000"/>
-                  </a:schemeClr>
-                </a:solidFill>
-              </a:defRPr>
-            </a:lvl5pPr>
-            <a:lvl6pPr marL="2286000" indent="0">
-              <a:buNone/>
-              <a:defRPr sz="1400">
-                <a:solidFill>
-                  <a:schemeClr val="tx1">
-                    <a:tint val="75000"/>
-                  </a:schemeClr>
-                </a:solidFill>
-              </a:defRPr>
-            </a:lvl6pPr>
-            <a:lvl7pPr marL="2743200" indent="0">
-              <a:buNone/>
-              <a:defRPr sz="1400">
-                <a:solidFill>
-                  <a:schemeClr val="tx1">
-                    <a:tint val="75000"/>
-                  </a:schemeClr>
-                </a:solidFill>
-              </a:defRPr>
-            </a:lvl7pPr>
-            <a:lvl8pPr marL="3200400" indent="0">
-              <a:buNone/>
-              <a:defRPr sz="1400">
-                <a:solidFill>
-                  <a:schemeClr val="tx1">
-                    <a:tint val="75000"/>
-                  </a:schemeClr>
-                </a:solidFill>
-              </a:defRPr>
-            </a:lvl8pPr>
-            <a:lvl9pPr marL="3657600" indent="0">
-              <a:buNone/>
-              <a:defRPr sz="1400">
-                <a:solidFill>
-                  <a:schemeClr val="tx1">
-                    <a:tint val="75000"/>
-                  </a:schemeClr>
-                </a:solidFill>
-              </a:defRPr>
-            </a:lvl9pPr>
-          </a:lstStyle>
-          <a:p>
-            <a:pPr lvl="0"/>
-            <a:r>
-              <a:rPr lang="en-US" smtClean="0"/>
-              <a:t>Click to edit Master text styles</a:t>
-            </a:r>
-          </a:p>
-        </p:txBody>
-      </p:sp>
-      <p:sp>
-        <p:nvSpPr>
-          <p:cNvPr id="4" name="Title 3"/>
+          <p:cNvPr id="2" name="Title 1"/>
           <p:cNvSpPr>
             <a:spLocks noGrp="1"/>
           </p:cNvSpPr>
@@ -1645,36 +1682,66 @@
             <p:ph type="title"/>
           </p:nvPr>
         </p:nvSpPr>
+        <p:spPr/>
+        <p:txBody>
+          <a:bodyPr/>
+          <a:lstStyle/>
+          <a:p>
+            <a:r>
+              <a:rPr lang="en-US" smtClean="0"/>
+              <a:t>Click to edit Master title style</a:t>
+            </a:r>
+            <a:endParaRPr lang="en-US"/>
+          </a:p>
+        </p:txBody>
+      </p:sp>
+      <p:sp>
+        <p:nvSpPr>
+          <p:cNvPr id="5" name="Text Placeholder 4"/>
+          <p:cNvSpPr>
+            <a:spLocks noGrp="1"/>
+          </p:cNvSpPr>
+          <p:nvPr>
+            <p:ph type="body" sz="quarter" idx="10"/>
+          </p:nvPr>
+        </p:nvSpPr>
         <p:spPr>
           <a:xfrm>
-            <a:off x="685800" y="4495800"/>
-            <a:ext cx="7772400" cy="762000"/>
+            <a:off x="1485900" y="1600200"/>
+            <a:ext cx="6172200" cy="3962400"/>
           </a:xfrm>
+          <a:solidFill>
+            <a:schemeClr val="accent2"/>
+          </a:solidFill>
+          <a:ln w="9525">
+            <a:solidFill>
+              <a:schemeClr val="tx1"/>
+            </a:solidFill>
+          </a:ln>
         </p:spPr>
         <p:txBody>
           <a:bodyPr/>
           <a:lstStyle>
-            <a:lvl1pPr algn="l">
-              <a:defRPr>
-                <a:solidFill>
-                  <a:schemeClr val="tx1"/>
-                </a:solidFill>
+            <a:lvl1pPr>
+              <a:buNone/>
+              <a:defRPr sz="1800" b="0">
+                <a:latin typeface="Consolas" pitchFamily="49" charset="0"/>
               </a:defRPr>
             </a:lvl1pPr>
           </a:lstStyle>
           <a:p>
+            <a:pPr lvl="0"/>
             <a:r>
               <a:rPr lang="en-US" smtClean="0"/>
-              <a:t>Click to edit Master title style</a:t>
-            </a:r>
-            <a:endParaRPr lang="en-US" dirty="0"/>
+              <a:t>Click to edit Master text styles</a:t>
+            </a:r>
           </a:p>
         </p:txBody>
       </p:sp>
     </p:spTree>
     <p:extLst>
       <p:ext uri="{BB962C8B-B14F-4D97-AF65-F5344CB8AC3E}">
-        <p14:creationId xmlns:p14="http://schemas.microsoft.com/office/powerpoint/2010/main" val="2493171712"/>
+        <p14:creationId xmlns:p14="http://schemas.microsoft.com/office/powerpoint/2010/main" val="197152541"/>
       </p:ext>
     </p:extLst>
   </p:cSld>
@@ -1684,19 +1751,12 @@
   <p:transition>
     <p:fade/>
   </p:transition>
-  <p:timing>
-    <p:tnLst>
-      <p:par>
-        <p:cTn id="1" dur="indefinite" restart="never" nodeType="tmRoot"/>
-      </p:par>
-    </p:tnLst>
-  </p:timing>
 </p:sldLayout>
 </file>
 
 <file path=ppt/slideLayouts/slideLayout7.xml><?xml version="1.0" encoding="utf-8"?>
 <p:sldLayout xmlns:a="http://schemas.openxmlformats.org/drawingml/2006/main" xmlns:r="http://schemas.openxmlformats.org/officeDocument/2006/relationships" xmlns:p="http://schemas.openxmlformats.org/presentationml/2006/main" preserve="1" userDrawn="1">
-  <p:cSld name="1_Section Header">
+  <p:cSld name="1_Blank">
     <p:spTree>
       <p:nvGrpSpPr>
         <p:cNvPr id="1" name=""/>
@@ -1713,124 +1773,7 @@
       </p:grpSpPr>
       <p:sp>
         <p:nvSpPr>
-          <p:cNvPr id="3" name="Text Placeholder 2"/>
-          <p:cNvSpPr>
-            <a:spLocks noGrp="1"/>
-          </p:cNvSpPr>
-          <p:nvPr>
-            <p:ph type="body" idx="1"/>
-          </p:nvPr>
-        </p:nvSpPr>
-        <p:spPr>
-          <a:xfrm>
-            <a:off x="685800" y="2906713"/>
-            <a:ext cx="7772400" cy="1500187"/>
-          </a:xfrm>
-        </p:spPr>
-        <p:txBody>
-          <a:bodyPr anchor="b"/>
-          <a:lstStyle>
-            <a:lvl1pPr marL="0" indent="0">
-              <a:buNone/>
-              <a:defRPr sz="2000" i="0">
-                <a:solidFill>
-                  <a:schemeClr val="tx1"/>
-                </a:solidFill>
-              </a:defRPr>
-            </a:lvl1pPr>
-            <a:lvl2pPr marL="457200" indent="0">
-              <a:buNone/>
-              <a:defRPr sz="1800">
-                <a:solidFill>
-                  <a:schemeClr val="tx1">
-                    <a:tint val="75000"/>
-                  </a:schemeClr>
-                </a:solidFill>
-              </a:defRPr>
-            </a:lvl2pPr>
-            <a:lvl3pPr marL="914400" indent="0">
-              <a:buNone/>
-              <a:defRPr sz="1600">
-                <a:solidFill>
-                  <a:schemeClr val="tx1">
-                    <a:tint val="75000"/>
-                  </a:schemeClr>
-                </a:solidFill>
-              </a:defRPr>
-            </a:lvl3pPr>
-            <a:lvl4pPr marL="1371600" indent="0">
-              <a:buNone/>
-              <a:defRPr sz="1400">
-                <a:solidFill>
-                  <a:schemeClr val="tx1">
-                    <a:tint val="75000"/>
-                  </a:schemeClr>
-                </a:solidFill>
-              </a:defRPr>
-            </a:lvl4pPr>
-            <a:lvl5pPr marL="1828800" indent="0">
-              <a:buNone/>
-              <a:defRPr sz="1400">
-                <a:solidFill>
-                  <a:schemeClr val="tx1">
-                    <a:tint val="75000"/>
-                  </a:schemeClr>
-                </a:solidFill>
-              </a:defRPr>
-            </a:lvl5pPr>
-            <a:lvl6pPr marL="2286000" indent="0">
-              <a:buNone/>
-              <a:defRPr sz="1400">
-                <a:solidFill>
-                  <a:schemeClr val="tx1">
-                    <a:tint val="75000"/>
-                  </a:schemeClr>
-                </a:solidFill>
-              </a:defRPr>
-            </a:lvl6pPr>
-            <a:lvl7pPr marL="2743200" indent="0">
-              <a:buNone/>
-              <a:defRPr sz="1400">
-                <a:solidFill>
-                  <a:schemeClr val="tx1">
-                    <a:tint val="75000"/>
-                  </a:schemeClr>
-                </a:solidFill>
-              </a:defRPr>
-            </a:lvl7pPr>
-            <a:lvl8pPr marL="3200400" indent="0">
-              <a:buNone/>
-              <a:defRPr sz="1400">
-                <a:solidFill>
-                  <a:schemeClr val="tx1">
-                    <a:tint val="75000"/>
-                  </a:schemeClr>
-                </a:solidFill>
-              </a:defRPr>
-            </a:lvl8pPr>
-            <a:lvl9pPr marL="3657600" indent="0">
-              <a:buNone/>
-              <a:defRPr sz="1400">
-                <a:solidFill>
-                  <a:schemeClr val="tx1">
-                    <a:tint val="75000"/>
-                  </a:schemeClr>
-                </a:solidFill>
-              </a:defRPr>
-            </a:lvl9pPr>
-          </a:lstStyle>
-          <a:p>
-            <a:pPr lvl="0"/>
-            <a:r>
-              <a:rPr lang="en-US" smtClean="0"/>
-              <a:t>Click to edit Master text styles</a:t>
-            </a:r>
-          </a:p>
-        </p:txBody>
-      </p:sp>
-      <p:sp>
-        <p:nvSpPr>
-          <p:cNvPr id="4" name="Title 3"/>
+          <p:cNvPr id="2" name="Title 1"/>
           <p:cNvSpPr>
             <a:spLocks noGrp="1"/>
           </p:cNvSpPr>
@@ -1838,36 +1781,23 @@
             <p:ph type="title"/>
           </p:nvPr>
         </p:nvSpPr>
-        <p:spPr>
-          <a:xfrm>
-            <a:off x="685800" y="4495800"/>
-            <a:ext cx="7772400" cy="762000"/>
-          </a:xfrm>
-        </p:spPr>
+        <p:spPr/>
         <p:txBody>
-          <a:bodyPr/>
-          <a:lstStyle>
-            <a:lvl1pPr algn="l">
-              <a:defRPr>
-                <a:solidFill>
-                  <a:schemeClr val="tx1"/>
-                </a:solidFill>
-              </a:defRPr>
-            </a:lvl1pPr>
-          </a:lstStyle>
+          <a:bodyPr rtlCol="0"/>
+          <a:lstStyle/>
           <a:p>
             <a:r>
               <a:rPr lang="en-US" smtClean="0"/>
               <a:t>Click to edit Master title style</a:t>
             </a:r>
-            <a:endParaRPr lang="en-US" dirty="0"/>
+            <a:endParaRPr lang="en-US"/>
           </a:p>
         </p:txBody>
       </p:sp>
     </p:spTree>
     <p:extLst>
       <p:ext uri="{BB962C8B-B14F-4D97-AF65-F5344CB8AC3E}">
-        <p14:creationId xmlns:p14="http://schemas.microsoft.com/office/powerpoint/2010/main" val="974238297"/>
+        <p14:creationId xmlns:p14="http://schemas.microsoft.com/office/powerpoint/2010/main" val="706382218"/>
       </p:ext>
     </p:extLst>
   </p:cSld>
@@ -1877,13 +1807,161 @@
   <p:transition>
     <p:fade/>
   </p:transition>
-  <p:timing>
-    <p:tnLst>
-      <p:par>
-        <p:cTn id="1" dur="indefinite" restart="never" nodeType="tmRoot"/>
-      </p:par>
-    </p:tnLst>
-  </p:timing>
+</p:sldLayout>
+</file>
+
+<file path=ppt/slideLayouts/slideLayout8.xml><?xml version="1.0" encoding="utf-8"?>
+<p:sldLayout xmlns:a="http://schemas.openxmlformats.org/drawingml/2006/main" xmlns:r="http://schemas.openxmlformats.org/officeDocument/2006/relationships" xmlns:p="http://schemas.openxmlformats.org/presentationml/2006/main" preserve="1" userDrawn="1">
+  <p:cSld name="2_Code Sample">
+    <p:spTree>
+      <p:nvGrpSpPr>
+        <p:cNvPr id="1" name=""/>
+        <p:cNvGrpSpPr/>
+        <p:nvPr/>
+      </p:nvGrpSpPr>
+      <p:grpSpPr>
+        <a:xfrm>
+          <a:off x="0" y="0"/>
+          <a:ext cx="0" cy="0"/>
+          <a:chOff x="0" y="0"/>
+          <a:chExt cx="0" cy="0"/>
+        </a:xfrm>
+      </p:grpSpPr>
+      <p:sp>
+        <p:nvSpPr>
+          <p:cNvPr id="2" name="Title 1"/>
+          <p:cNvSpPr>
+            <a:spLocks noGrp="1"/>
+          </p:cNvSpPr>
+          <p:nvPr>
+            <p:ph type="title"/>
+          </p:nvPr>
+        </p:nvSpPr>
+        <p:spPr/>
+        <p:txBody>
+          <a:bodyPr/>
+          <a:lstStyle/>
+          <a:p>
+            <a:r>
+              <a:rPr lang="en-US" smtClean="0"/>
+              <a:t>Click to edit Master title style</a:t>
+            </a:r>
+            <a:endParaRPr lang="en-US"/>
+          </a:p>
+        </p:txBody>
+      </p:sp>
+      <p:sp>
+        <p:nvSpPr>
+          <p:cNvPr id="5" name="Text Placeholder 4"/>
+          <p:cNvSpPr>
+            <a:spLocks noGrp="1"/>
+          </p:cNvSpPr>
+          <p:nvPr>
+            <p:ph type="body" sz="quarter" idx="10"/>
+          </p:nvPr>
+        </p:nvSpPr>
+        <p:spPr>
+          <a:xfrm>
+            <a:off x="1485900" y="1600200"/>
+            <a:ext cx="6172200" cy="3962400"/>
+          </a:xfrm>
+          <a:solidFill>
+            <a:schemeClr val="accent2"/>
+          </a:solidFill>
+          <a:ln w="9525">
+            <a:solidFill>
+              <a:schemeClr val="tx1"/>
+            </a:solidFill>
+          </a:ln>
+        </p:spPr>
+        <p:txBody>
+          <a:bodyPr/>
+          <a:lstStyle>
+            <a:lvl1pPr>
+              <a:buNone/>
+              <a:defRPr sz="1800" b="0">
+                <a:latin typeface="Consolas" pitchFamily="49" charset="0"/>
+              </a:defRPr>
+            </a:lvl1pPr>
+          </a:lstStyle>
+          <a:p>
+            <a:pPr lvl="0"/>
+            <a:r>
+              <a:rPr lang="en-US" smtClean="0"/>
+              <a:t>Click to edit Master text styles</a:t>
+            </a:r>
+          </a:p>
+        </p:txBody>
+      </p:sp>
+    </p:spTree>
+    <p:extLst>
+      <p:ext uri="{BB962C8B-B14F-4D97-AF65-F5344CB8AC3E}">
+        <p14:creationId xmlns:p14="http://schemas.microsoft.com/office/powerpoint/2010/main" val="305234446"/>
+      </p:ext>
+    </p:extLst>
+  </p:cSld>
+  <p:clrMapOvr>
+    <a:masterClrMapping/>
+  </p:clrMapOvr>
+  <p:transition>
+    <p:fade/>
+  </p:transition>
+</p:sldLayout>
+</file>
+
+<file path=ppt/slideLayouts/slideLayout9.xml><?xml version="1.0" encoding="utf-8"?>
+<p:sldLayout xmlns:a="http://schemas.openxmlformats.org/drawingml/2006/main" xmlns:r="http://schemas.openxmlformats.org/officeDocument/2006/relationships" xmlns:p="http://schemas.openxmlformats.org/presentationml/2006/main" preserve="1" userDrawn="1">
+  <p:cSld name="2_Blank">
+    <p:spTree>
+      <p:nvGrpSpPr>
+        <p:cNvPr id="1" name=""/>
+        <p:cNvGrpSpPr/>
+        <p:nvPr/>
+      </p:nvGrpSpPr>
+      <p:grpSpPr>
+        <a:xfrm>
+          <a:off x="0" y="0"/>
+          <a:ext cx="0" cy="0"/>
+          <a:chOff x="0" y="0"/>
+          <a:chExt cx="0" cy="0"/>
+        </a:xfrm>
+      </p:grpSpPr>
+      <p:sp>
+        <p:nvSpPr>
+          <p:cNvPr id="2" name="Title 1"/>
+          <p:cNvSpPr>
+            <a:spLocks noGrp="1"/>
+          </p:cNvSpPr>
+          <p:nvPr>
+            <p:ph type="title"/>
+          </p:nvPr>
+        </p:nvSpPr>
+        <p:spPr/>
+        <p:txBody>
+          <a:bodyPr rtlCol="0"/>
+          <a:lstStyle/>
+          <a:p>
+            <a:r>
+              <a:rPr lang="en-US" smtClean="0"/>
+              <a:t>Click to edit Master title style</a:t>
+            </a:r>
+            <a:endParaRPr lang="en-US"/>
+          </a:p>
+        </p:txBody>
+      </p:sp>
+    </p:spTree>
+    <p:extLst>
+      <p:ext uri="{BB962C8B-B14F-4D97-AF65-F5344CB8AC3E}">
+        <p14:creationId xmlns:p14="http://schemas.microsoft.com/office/powerpoint/2010/main" val="3529701463"/>
+      </p:ext>
+    </p:extLst>
+  </p:cSld>
+  <p:clrMapOvr>
+    <a:masterClrMapping/>
+  </p:clrMapOvr>
+  <p:transition>
+    <p:fade/>
+  </p:transition>
 </p:sldLayout>
 </file>
 
@@ -1893,7 +1971,7 @@
     <p:bg>
       <p:bgPr>
         <a:solidFill>
-          <a:schemeClr val="bg1"/>
+          <a:srgbClr val="BDBDA9"/>
         </a:solidFill>
         <a:effectLst/>
       </p:bgPr>
@@ -1924,7 +2002,7 @@
         </p:nvSpPr>
         <p:spPr bwMode="auto">
           <a:xfrm>
-            <a:off x="457200" y="1371600"/>
+            <a:off x="457200" y="1447800"/>
             <a:ext cx="8229600" cy="4495800"/>
           </a:xfrm>
           <a:prstGeom prst="rect">
@@ -2024,22 +2102,112 @@
           </a:p>
         </p:txBody>
       </p:sp>
+      <p:cxnSp>
+        <p:nvCxnSpPr>
+          <p:cNvPr id="14" name="Straight Connector 13"/>
+          <p:cNvCxnSpPr/>
+          <p:nvPr/>
+        </p:nvCxnSpPr>
+        <p:spPr bwMode="auto">
+          <a:xfrm>
+            <a:off x="0" y="6780212"/>
+            <a:ext cx="9144000" cy="1588"/>
+          </a:xfrm>
+          <a:prstGeom prst="line">
+            <a:avLst/>
+          </a:prstGeom>
+          <a:gradFill rotWithShape="1">
+            <a:gsLst>
+              <a:gs pos="0">
+                <a:srgbClr val="A4D289"/>
+              </a:gs>
+              <a:gs pos="100000">
+                <a:schemeClr val="bg1"/>
+              </a:gs>
+            </a:gsLst>
+            <a:lin ang="5400000" scaled="1"/>
+          </a:gradFill>
+          <a:ln w="152400" cap="flat" cmpd="sng" algn="ctr">
+            <a:solidFill>
+              <a:srgbClr val="800000"/>
+            </a:solidFill>
+            <a:prstDash val="solid"/>
+            <a:round/>
+            <a:headEnd type="none" w="med" len="med"/>
+            <a:tailEnd type="none" w="med" len="med"/>
+          </a:ln>
+          <a:effectLst>
+            <a:glow rad="63500">
+              <a:schemeClr val="bg2">
+                <a:lumMod val="60000"/>
+                <a:lumOff val="40000"/>
+                <a:alpha val="40000"/>
+              </a:schemeClr>
+            </a:glow>
+          </a:effectLst>
+        </p:spPr>
+      </p:cxnSp>
+      <p:pic>
+        <p:nvPicPr>
+          <p:cNvPr id="8" name="Picture 6" descr="http://www.odetocode.com/">
+            <a:hlinkClick r:id="rId13"/>
+          </p:cNvPr>
+          <p:cNvPicPr>
+            <a:picLocks noChangeAspect="1" noChangeArrowheads="1"/>
+          </p:cNvPicPr>
+          <p:nvPr userDrawn="1"/>
+        </p:nvPicPr>
+        <p:blipFill>
+          <a:blip r:embed="rId14"/>
+          <a:srcRect r="26934"/>
+          <a:stretch>
+            <a:fillRect/>
+          </a:stretch>
+        </p:blipFill>
+        <p:spPr bwMode="auto">
+          <a:xfrm>
+            <a:off x="7620000" y="6266497"/>
+            <a:ext cx="1295400" cy="439103"/>
+          </a:xfrm>
+          <a:prstGeom prst="rect">
+            <a:avLst/>
+          </a:prstGeom>
+          <a:ln w="38100" cap="sq">
+            <a:solidFill>
+              <a:srgbClr val="000000"/>
+            </a:solidFill>
+            <a:prstDash val="solid"/>
+            <a:miter lim="800000"/>
+          </a:ln>
+          <a:effectLst>
+            <a:outerShdw blurRad="50800" dist="38100" dir="2700000" algn="tl" rotWithShape="0">
+              <a:srgbClr val="000000">
+                <a:alpha val="43000"/>
+              </a:srgbClr>
+            </a:outerShdw>
+          </a:effectLst>
+        </p:spPr>
+      </p:pic>
     </p:spTree>
     <p:extLst>
       <p:ext uri="{BB962C8B-B14F-4D97-AF65-F5344CB8AC3E}">
-        <p14:creationId xmlns:p14="http://schemas.microsoft.com/office/powerpoint/2010/main" val="2052483994"/>
+        <p14:creationId xmlns:p14="http://schemas.microsoft.com/office/powerpoint/2010/main" val="1905929180"/>
       </p:ext>
     </p:extLst>
   </p:cSld>
   <p:clrMap bg1="lt1" tx1="dk1" bg2="lt2" tx2="dk2" accent1="accent1" accent2="accent2" accent3="accent3" accent4="accent4" accent5="accent5" accent6="accent6" hlink="hlink" folHlink="folHlink"/>
   <p:sldLayoutIdLst>
-    <p:sldLayoutId id="2147483732" r:id="rId1"/>
-    <p:sldLayoutId id="2147483733" r:id="rId2"/>
-    <p:sldLayoutId id="2147483734" r:id="rId3"/>
-    <p:sldLayoutId id="2147483735" r:id="rId4"/>
-    <p:sldLayoutId id="2147483736" r:id="rId5"/>
-    <p:sldLayoutId id="2147483737" r:id="rId6"/>
-    <p:sldLayoutId id="2147483738" r:id="rId7"/>
+    <p:sldLayoutId id="2147483740" r:id="rId1"/>
+    <p:sldLayoutId id="2147483741" r:id="rId2"/>
+    <p:sldLayoutId id="2147483742" r:id="rId3"/>
+    <p:sldLayoutId id="2147483743" r:id="rId4"/>
+    <p:sldLayoutId id="2147483744" r:id="rId5"/>
+    <p:sldLayoutId id="2147483745" r:id="rId6"/>
+    <p:sldLayoutId id="2147483746" r:id="rId7"/>
+    <p:sldLayoutId id="2147483747" r:id="rId8"/>
+    <p:sldLayoutId id="2147483748" r:id="rId9"/>
+    <p:sldLayoutId id="2147483749" r:id="rId10"/>
+    <p:sldLayoutId id="2147483750" r:id="rId11"/>
   </p:sldLayoutIdLst>
   <p:transition>
     <p:fade/>
@@ -2051,7 +2219,6 @@
       </p:par>
     </p:tnLst>
   </p:timing>
-  <p:hf hdr="0" ftr="0" dt="0"/>
   <p:txStyles>
     <p:titleStyle>
       <a:lvl1pPr marL="342900" indent="-342900" algn="ctr" defTabSz="-13873163" rtl="0" eaLnBrk="1" fontAlgn="base" hangingPunct="1">
@@ -2585,7 +2752,7 @@
         </p:nvSpPr>
         <p:spPr>
           <a:xfrm>
-            <a:off x="3429000" y="2667000"/>
+            <a:off x="3505200" y="3505200"/>
             <a:ext cx="5029200" cy="1752600"/>
           </a:xfrm>
         </p:spPr>
@@ -2597,7 +2764,6 @@
               <a:rPr lang="en-US" dirty="0" smtClean="0"/>
               <a:t>GET Resources</a:t>
             </a:r>
-            <a:endParaRPr lang="en-US" dirty="0" smtClean="0"/>
           </a:p>
           <a:p>
             <a:r>
@@ -2751,15 +2917,6 @@
                 <a:tailEnd/>
               </a14:hiddenLine>
             </a:ext>
-            <a:ext uri="{AF507438-7753-43E0-B8FC-AC1667EBCBE1}">
-              <a14:hiddenEffects xmlns:a14="http://schemas.microsoft.com/office/drawing/2010/main">
-                <a:effectLst>
-                  <a:outerShdw dist="35921" dir="2700000" algn="ctr" rotWithShape="0">
-                    <a:schemeClr val="bg2"/>
-                  </a:outerShdw>
-                </a:effectLst>
-              </a14:hiddenEffects>
-            </a:ext>
           </a:extLst>
         </p:spPr>
       </p:pic>
@@ -2820,15 +2977,6 @@
                 <a:tailEnd/>
               </a14:hiddenLine>
             </a:ext>
-            <a:ext uri="{AF507438-7753-43E0-B8FC-AC1667EBCBE1}">
-              <a14:hiddenEffects xmlns:a14="http://schemas.microsoft.com/office/drawing/2010/main">
-                <a:effectLst>
-                  <a:outerShdw dist="35921" dir="2700000" algn="ctr" rotWithShape="0">
-                    <a:schemeClr val="bg2"/>
-                  </a:outerShdw>
-                </a:effectLst>
-              </a14:hiddenEffects>
-            </a:ext>
           </a:extLst>
         </p:spPr>
       </p:pic>
@@ -2970,15 +3118,6 @@
                 <a:headEnd/>
                 <a:tailEnd/>
               </a14:hiddenLine>
-            </a:ext>
-            <a:ext uri="{AF507438-7753-43E0-B8FC-AC1667EBCBE1}">
-              <a14:hiddenEffects xmlns:a14="http://schemas.microsoft.com/office/drawing/2010/main">
-                <a:effectLst>
-                  <a:outerShdw dist="35921" dir="2700000" algn="ctr" rotWithShape="0">
-                    <a:schemeClr val="bg2"/>
-                  </a:outerShdw>
-                </a:effectLst>
-              </a14:hiddenEffects>
             </a:ext>
           </a:extLst>
         </p:spPr>
@@ -3040,15 +3179,6 @@
                 <a:tailEnd/>
               </a14:hiddenLine>
             </a:ext>
-            <a:ext uri="{AF507438-7753-43E0-B8FC-AC1667EBCBE1}">
-              <a14:hiddenEffects xmlns:a14="http://schemas.microsoft.com/office/drawing/2010/main">
-                <a:effectLst>
-                  <a:outerShdw dist="35921" dir="2700000" algn="ctr" rotWithShape="0">
-                    <a:schemeClr val="bg2"/>
-                  </a:outerShdw>
-                </a:effectLst>
-              </a14:hiddenEffects>
-            </a:ext>
           </a:extLst>
         </p:spPr>
       </p:pic>
@@ -3190,15 +3320,6 @@
                 <a:headEnd/>
                 <a:tailEnd/>
               </a14:hiddenLine>
-            </a:ext>
-            <a:ext uri="{AF507438-7753-43E0-B8FC-AC1667EBCBE1}">
-              <a14:hiddenEffects xmlns:a14="http://schemas.microsoft.com/office/drawing/2010/main">
-                <a:effectLst>
-                  <a:outerShdw dist="35921" dir="2700000" algn="ctr" rotWithShape="0">
-                    <a:schemeClr val="bg2"/>
-                  </a:outerShdw>
-                </a:effectLst>
-              </a14:hiddenEffects>
             </a:ext>
           </a:extLst>
         </p:spPr>
@@ -3260,15 +3381,6 @@
                 <a:tailEnd/>
               </a14:hiddenLine>
             </a:ext>
-            <a:ext uri="{AF507438-7753-43E0-B8FC-AC1667EBCBE1}">
-              <a14:hiddenEffects xmlns:a14="http://schemas.microsoft.com/office/drawing/2010/main">
-                <a:effectLst>
-                  <a:outerShdw dist="35921" dir="2700000" algn="ctr" rotWithShape="0">
-                    <a:schemeClr val="bg2"/>
-                  </a:outerShdw>
-                </a:effectLst>
-              </a14:hiddenEffects>
-            </a:ext>
           </a:extLst>
         </p:spPr>
       </p:pic>
@@ -3411,15 +3523,6 @@
                 <a:tailEnd/>
               </a14:hiddenLine>
             </a:ext>
-            <a:ext uri="{AF507438-7753-43E0-B8FC-AC1667EBCBE1}">
-              <a14:hiddenEffects xmlns:a14="http://schemas.microsoft.com/office/drawing/2010/main">
-                <a:effectLst>
-                  <a:outerShdw dist="35921" dir="2700000" algn="ctr" rotWithShape="0">
-                    <a:schemeClr val="bg2"/>
-                  </a:outerShdw>
-                </a:effectLst>
-              </a14:hiddenEffects>
-            </a:ext>
           </a:extLst>
         </p:spPr>
       </p:pic>
@@ -3562,15 +3665,6 @@
                 <a:tailEnd/>
               </a14:hiddenLine>
             </a:ext>
-            <a:ext uri="{AF507438-7753-43E0-B8FC-AC1667EBCBE1}">
-              <a14:hiddenEffects xmlns:a14="http://schemas.microsoft.com/office/drawing/2010/main">
-                <a:effectLst>
-                  <a:outerShdw dist="35921" dir="2700000" algn="ctr" rotWithShape="0">
-                    <a:schemeClr val="bg2"/>
-                  </a:outerShdw>
-                </a:effectLst>
-              </a14:hiddenEffects>
-            </a:ext>
           </a:extLst>
         </p:spPr>
       </p:pic>
@@ -3660,7 +3754,6 @@
               <a:rPr lang="en-US" dirty="0" smtClean="0"/>
               <a:t> embraces HTTP</a:t>
             </a:r>
-            <a:endParaRPr lang="en-US" dirty="0" smtClean="0"/>
           </a:p>
           <a:p>
             <a:r>
@@ -5442,13 +5535,7 @@
               <a:rPr lang="en-US" sz="2000" dirty="0" smtClean="0">
                 <a:latin typeface="Tekton Pro" pitchFamily="34" charset="0"/>
               </a:rPr>
-              <a:t>MSFT </a:t>
-            </a:r>
-            <a:r>
-              <a:rPr lang="en-US" sz="2000" dirty="0" smtClean="0">
-                <a:latin typeface="Tekton Pro" pitchFamily="34" charset="0"/>
-              </a:rPr>
-              <a:t>Resource</a:t>
+              <a:t>MSFT Resource</a:t>
             </a:r>
             <a:endParaRPr lang="en-US" sz="2000" dirty="0">
               <a:latin typeface="Tekton Pro" pitchFamily="34" charset="0"/>
@@ -6277,15 +6364,6 @@
                 <a:tailEnd/>
               </a14:hiddenLine>
             </a:ext>
-            <a:ext uri="{AF507438-7753-43E0-B8FC-AC1667EBCBE1}">
-              <a14:hiddenEffects xmlns:a14="http://schemas.microsoft.com/office/drawing/2010/main">
-                <a:effectLst>
-                  <a:outerShdw dist="35921" dir="2700000" algn="ctr" rotWithShape="0">
-                    <a:schemeClr val="bg2"/>
-                  </a:outerShdw>
-                </a:effectLst>
-              </a14:hiddenEffects>
-            </a:ext>
           </a:extLst>
         </p:spPr>
       </p:pic>
@@ -6394,7 +6472,7 @@
         </p:blipFill>
         <p:spPr bwMode="auto">
           <a:xfrm>
-            <a:off x="609600" y="1905000"/>
+            <a:off x="1143000" y="2486025"/>
             <a:ext cx="3724275" cy="1162050"/>
           </a:xfrm>
           <a:prstGeom prst="rect">
@@ -6427,15 +6505,6 @@
                 <a:headEnd/>
                 <a:tailEnd/>
               </a14:hiddenLine>
-            </a:ext>
-            <a:ext uri="{AF507438-7753-43E0-B8FC-AC1667EBCBE1}">
-              <a14:hiddenEffects xmlns:a14="http://schemas.microsoft.com/office/drawing/2010/main">
-                <a:effectLst>
-                  <a:outerShdw dist="35921" dir="2700000" algn="ctr" rotWithShape="0">
-                    <a:schemeClr val="bg2"/>
-                  </a:outerShdw>
-                </a:effectLst>
-              </a14:hiddenEffects>
             </a:ext>
           </a:extLst>
         </p:spPr>
@@ -6497,15 +6566,6 @@
                 <a:tailEnd/>
               </a14:hiddenLine>
             </a:ext>
-            <a:ext uri="{AF507438-7753-43E0-B8FC-AC1667EBCBE1}">
-              <a14:hiddenEffects xmlns:a14="http://schemas.microsoft.com/office/drawing/2010/main">
-                <a:effectLst>
-                  <a:outerShdw dist="35921" dir="2700000" algn="ctr" rotWithShape="0">
-                    <a:schemeClr val="bg2"/>
-                  </a:outerShdw>
-                </a:effectLst>
-              </a14:hiddenEffects>
-            </a:ext>
           </a:extLst>
         </p:spPr>
       </p:pic>
@@ -6533,44 +6593,44 @@
 </file>
 
 <file path=ppt/theme/theme1.xml><?xml version="1.0" encoding="utf-8"?>
-<a:theme xmlns:a="http://schemas.openxmlformats.org/drawingml/2006/main" name="PluralsightSlideTemplate">
+<a:theme xmlns:a="http://schemas.openxmlformats.org/drawingml/2006/main" name="1_SapphireTemplate">
   <a:themeElements>
-    <a:clrScheme name="Custom 3">
+    <a:clrScheme name="Sapphire">
       <a:dk1>
-        <a:sysClr val="windowText" lastClr="000000"/>
+        <a:srgbClr val="000000"/>
       </a:dk1>
       <a:lt1>
-        <a:sysClr val="window" lastClr="FFFFFF"/>
+        <a:srgbClr val="FFFFFF"/>
       </a:lt1>
       <a:dk2>
         <a:srgbClr val="000000"/>
       </a:dk2>
       <a:lt2>
-        <a:srgbClr val="EEECE1"/>
+        <a:srgbClr val="FFFFFF"/>
       </a:lt2>
       <a:accent1>
-        <a:srgbClr val="4F81BD"/>
+        <a:srgbClr val="A4D289"/>
       </a:accent1>
       <a:accent2>
-        <a:srgbClr val="C0504D"/>
+        <a:srgbClr val="FFFFCC"/>
       </a:accent2>
       <a:accent3>
-        <a:srgbClr val="9BBB59"/>
+        <a:srgbClr val="E2E2FF"/>
       </a:accent3>
       <a:accent4>
-        <a:srgbClr val="8064A2"/>
+        <a:srgbClr val="D8D8D8"/>
       </a:accent4>
       <a:accent5>
-        <a:srgbClr val="4BACC6"/>
+        <a:srgbClr val="A5A5A5"/>
       </a:accent5>
       <a:accent6>
-        <a:srgbClr val="F79646"/>
+        <a:srgbClr val="EAD6FF"/>
       </a:accent6>
       <a:hlink>
-        <a:srgbClr val="0000FF"/>
+        <a:srgbClr val="002060"/>
       </a:hlink>
       <a:folHlink>
-        <a:srgbClr val="800080"/>
+        <a:srgbClr val="002060"/>
       </a:folHlink>
     </a:clrScheme>
     <a:fontScheme name="Sapphire">
@@ -7816,21 +7876,6 @@
 </file>
 
 <file path=customXml/item1.xml><?xml version="1.0" encoding="utf-8"?>
-<p:properties xmlns:p="http://schemas.microsoft.com/office/2006/metadata/properties" xmlns:xsi="http://www.w3.org/2001/XMLSchema-instance">
-  <documentManagement/>
-</p:properties>
-</file>
-
-<file path=customXml/item2.xml><?xml version="1.0" encoding="utf-8"?>
-<?mso-contentType ?>
-<FormTemplates xmlns="http://schemas.microsoft.com/sharepoint/v3/contenttype/forms">
-  <Display>DocumentLibraryForm</Display>
-  <Edit>DocumentLibraryForm</Edit>
-  <New>DocumentLibraryForm</New>
-</FormTemplates>
-</file>
-
-<file path=customXml/item3.xml><?xml version="1.0" encoding="utf-8"?>
 <ct:contentTypeSchema xmlns:ct="http://schemas.microsoft.com/office/2006/metadata/contentType" xmlns:ma="http://schemas.microsoft.com/office/2006/metadata/properties/metaAttributes" ct:_="" ma:_="" ma:contentTypeName="Document" ma:contentTypeID="0x0101003865B9DCC8F7FB4A82840FBDE1FC983A" ma:contentTypeVersion="0" ma:contentTypeDescription="Create a new document." ma:contentTypeScope="" ma:versionID="ecd0916681f32cda70880b341f4a8911">
   <xsd:schema xmlns:xsd="http://www.w3.org/2001/XMLSchema" xmlns:p="http://schemas.microsoft.com/office/2006/metadata/properties" targetNamespace="http://schemas.microsoft.com/office/2006/metadata/properties" ma:root="true" ma:fieldsID="4aeb20c0e3442673af7ee10786458764">
     <xsd:element name="properties">
@@ -7879,16 +7924,32 @@
 </ct:contentTypeSchema>
 </file>
 
+<file path=customXml/item2.xml><?xml version="1.0" encoding="utf-8"?>
+<?mso-contentType ?>
+<FormTemplates xmlns="http://schemas.microsoft.com/sharepoint/v3/contenttype/forms">
+  <Display>DocumentLibraryForm</Display>
+  <Edit>DocumentLibraryForm</Edit>
+  <New>DocumentLibraryForm</New>
+</FormTemplates>
+</file>
+
+<file path=customXml/item3.xml><?xml version="1.0" encoding="utf-8"?>
+<p:properties xmlns:p="http://schemas.microsoft.com/office/2006/metadata/properties" xmlns:xsi="http://www.w3.org/2001/XMLSchema-instance">
+  <documentManagement/>
+</p:properties>
+</file>
+
 <file path=customXml/itemProps1.xml><?xml version="1.0" encoding="utf-8"?>
-<ds:datastoreItem xmlns:ds="http://schemas.openxmlformats.org/officeDocument/2006/customXml" ds:itemID="{2D498799-B0FC-4B7A-8396-BFC34D805990}">
+<ds:datastoreItem xmlns:ds="http://schemas.openxmlformats.org/officeDocument/2006/customXml" ds:itemID="{1DEB1AF8-B785-4B22-89EC-168618F34A5B}">
   <ds:schemaRefs>
-    <ds:schemaRef ds:uri="http://schemas.microsoft.com/office/2006/documentManagement/types"/>
+    <ds:schemaRef ds:uri="http://schemas.microsoft.com/office/2006/metadata/contentType"/>
+    <ds:schemaRef ds:uri="http://schemas.microsoft.com/office/2006/metadata/properties/metaAttributes"/>
+    <ds:schemaRef ds:uri="http://www.w3.org/2001/XMLSchema"/>
+    <ds:schemaRef ds:uri="http://schemas.microsoft.com/office/2006/metadata/properties"/>
+    <ds:schemaRef ds:uri="http://schemas.openxmlformats.org/package/2006/metadata/core-properties"/>
     <ds:schemaRef ds:uri="http://purl.org/dc/elements/1.1/"/>
-    <ds:schemaRef ds:uri="http://purl.org/dc/dcmitype/"/>
     <ds:schemaRef ds:uri="http://purl.org/dc/terms/"/>
-    <ds:schemaRef ds:uri="http://schemas.openxmlformats.org/package/2006/metadata/core-properties"/>
-    <ds:schemaRef ds:uri="http://schemas.microsoft.com/office/2006/metadata/properties"/>
-    <ds:schemaRef ds:uri="http://www.w3.org/XML/1998/namespace"/>
+    <ds:schemaRef ds:uri="http://schemas.microsoft.com/office/internal/2005/internalDocumentation"/>
   </ds:schemaRefs>
 </ds:datastoreItem>
 </file>
@@ -7902,16 +7963,15 @@
 </file>
 
 <file path=customXml/itemProps3.xml><?xml version="1.0" encoding="utf-8"?>
-<ds:datastoreItem xmlns:ds="http://schemas.openxmlformats.org/officeDocument/2006/customXml" ds:itemID="{1DEB1AF8-B785-4B22-89EC-168618F34A5B}">
+<ds:datastoreItem xmlns:ds="http://schemas.openxmlformats.org/officeDocument/2006/customXml" ds:itemID="{2D498799-B0FC-4B7A-8396-BFC34D805990}">
   <ds:schemaRefs>
-    <ds:schemaRef ds:uri="http://schemas.microsoft.com/office/2006/metadata/contentType"/>
-    <ds:schemaRef ds:uri="http://schemas.microsoft.com/office/2006/metadata/properties/metaAttributes"/>
-    <ds:schemaRef ds:uri="http://www.w3.org/2001/XMLSchema"/>
+    <ds:schemaRef ds:uri="http://purl.org/dc/elements/1.1/"/>
+    <ds:schemaRef ds:uri="http://schemas.microsoft.com/office/2006/documentManagement/types"/>
+    <ds:schemaRef ds:uri="http://schemas.openxmlformats.org/package/2006/metadata/core-properties"/>
+    <ds:schemaRef ds:uri="http://purl.org/dc/terms/"/>
     <ds:schemaRef ds:uri="http://schemas.microsoft.com/office/2006/metadata/properties"/>
-    <ds:schemaRef ds:uri="http://schemas.openxmlformats.org/package/2006/metadata/core-properties"/>
-    <ds:schemaRef ds:uri="http://purl.org/dc/elements/1.1/"/>
-    <ds:schemaRef ds:uri="http://purl.org/dc/terms/"/>
-    <ds:schemaRef ds:uri="http://schemas.microsoft.com/office/internal/2005/internalDocumentation"/>
+    <ds:schemaRef ds:uri="http://www.w3.org/XML/1998/namespace"/>
+    <ds:schemaRef ds:uri="http://purl.org/dc/dcmitype/"/>
   </ds:schemaRefs>
 </ds:datastoreItem>
 </file>
--- a/mvc/slides/14_webapi.pptx
+++ b/mvc/slides/14_webapi.pptx
@@ -265,7 +265,7 @@
             <a:fld id="{923FAA13-3E1B-4A40-BCE0-2A4101C91A56}" type="datetimeFigureOut">
               <a:rPr lang="en-US" smtClean="0"/>
               <a:pPr/>
-              <a:t>6/21/2012</a:t>
+              <a:t>7/7/2012</a:t>
             </a:fld>
             <a:endParaRPr lang="en-US"/>
           </a:p>
@@ -2762,14 +2762,13 @@
           <a:p>
             <a:r>
               <a:rPr lang="en-US" dirty="0" smtClean="0"/>
-              <a:t>GET Resources</a:t>
-            </a:r>
-          </a:p>
-          <a:p>
+              <a:t>GET </a:t>
+            </a:r>
             <a:r>
               <a:rPr lang="en-US" dirty="0" smtClean="0"/>
-              <a:t>Scott Allen</a:t>
-            </a:r>
+              <a:t>Resources</a:t>
+            </a:r>
+            <a:endParaRPr lang="en-US" dirty="0" smtClean="0"/>
           </a:p>
         </p:txBody>
       </p:sp>
@@ -3868,47 +3867,6 @@
       </p:sp>
       <p:pic>
         <p:nvPicPr>
-          <p:cNvPr id="1027" name="Picture 3" descr="C:\Users\bitmask\AppData\Local\Microsoft\Windows\Temporary Internet Files\Content.IE5\IS45JO48\MP900433172[1].jpg"/>
-          <p:cNvPicPr>
-            <a:picLocks noChangeAspect="1" noChangeArrowheads="1"/>
-          </p:cNvPicPr>
-          <p:nvPr/>
-        </p:nvPicPr>
-        <p:blipFill>
-          <a:blip r:embed="rId2" cstate="print">
-            <a:extLst>
-              <a:ext uri="{28A0092B-C50C-407E-A947-70E740481C1C}">
-                <a14:useLocalDpi xmlns:a14="http://schemas.microsoft.com/office/drawing/2010/main" val="0"/>
-              </a:ext>
-            </a:extLst>
-          </a:blip>
-          <a:srcRect/>
-          <a:stretch>
-            <a:fillRect/>
-          </a:stretch>
-        </p:blipFill>
-        <p:spPr bwMode="auto">
-          <a:xfrm>
-            <a:off x="914400" y="2939110"/>
-            <a:ext cx="1819656" cy="1824870"/>
-          </a:xfrm>
-          <a:prstGeom prst="rect">
-            <a:avLst/>
-          </a:prstGeom>
-          <a:noFill/>
-          <a:extLst>
-            <a:ext uri="{909E8E84-426E-40DD-AFC4-6F175D3DCCD1}">
-              <a14:hiddenFill xmlns:a14="http://schemas.microsoft.com/office/drawing/2010/main">
-                <a:solidFill>
-                  <a:srgbClr val="FFFFFF"/>
-                </a:solidFill>
-              </a14:hiddenFill>
-            </a:ext>
-          </a:extLst>
-        </p:spPr>
-      </p:pic>
-      <p:pic>
-        <p:nvPicPr>
           <p:cNvPr id="1028" name="Picture 4" descr="C:\Users\bitmask\AppData\Local\Microsoft\Windows\Temporary Internet Files\Content.IE5\0LRUOZF2\MC900435242[1].png"/>
           <p:cNvPicPr>
             <a:picLocks noChangeAspect="1" noChangeArrowheads="1"/>
@@ -3916,7 +3874,7 @@
           <p:nvPr/>
         </p:nvPicPr>
         <p:blipFill>
-          <a:blip r:embed="rId3">
+          <a:blip r:embed="rId2">
             <a:extLst>
               <a:ext uri="{28A0092B-C50C-407E-A947-70E740481C1C}">
                 <a14:useLocalDpi xmlns:a14="http://schemas.microsoft.com/office/drawing/2010/main" val="0"/>
@@ -4006,47 +3964,242 @@
           </a:p>
         </p:txBody>
       </p:sp>
-      <p:pic>
-        <p:nvPicPr>
-          <p:cNvPr id="1030" name="Picture 6" descr="https://encrypted-tbn1.google.com/images?q=tbn:ANd9GcSi6ediCh2_av3_cFEi0EiKis1vsgfXac4IY03WryebcL3V3_yp"/>
-          <p:cNvPicPr>
-            <a:picLocks noChangeAspect="1" noChangeArrowheads="1"/>
-          </p:cNvPicPr>
+      <p:sp>
+        <p:nvSpPr>
+          <p:cNvPr id="4" name="laptop"/>
+          <p:cNvSpPr>
+            <a:spLocks noEditPoints="1" noChangeArrowheads="1"/>
+          </p:cNvSpPr>
           <p:nvPr/>
-        </p:nvPicPr>
-        <p:blipFill>
-          <a:blip r:embed="rId4">
-            <a:extLst>
-              <a:ext uri="{28A0092B-C50C-407E-A947-70E740481C1C}">
-                <a14:useLocalDpi xmlns:a14="http://schemas.microsoft.com/office/drawing/2010/main" val="0"/>
-              </a:ext>
-            </a:extLst>
-          </a:blip>
-          <a:srcRect/>
-          <a:stretch>
-            <a:fillRect/>
-          </a:stretch>
-        </p:blipFill>
+        </p:nvSpPr>
         <p:spPr bwMode="auto">
           <a:xfrm>
-            <a:off x="4031534" y="3924282"/>
-            <a:ext cx="1266825" cy="1171575"/>
+            <a:off x="838200" y="2895600"/>
+            <a:ext cx="1809750" cy="1362075"/>
           </a:xfrm>
-          <a:prstGeom prst="rect">
+          <a:custGeom>
             <a:avLst/>
-          </a:prstGeom>
-          <a:noFill/>
-          <a:extLst>
-            <a:ext uri="{909E8E84-426E-40DD-AFC4-6F175D3DCCD1}">
-              <a14:hiddenFill xmlns:a14="http://schemas.microsoft.com/office/drawing/2010/main">
-                <a:solidFill>
-                  <a:srgbClr val="FFFFFF"/>
-                </a:solidFill>
-              </a14:hiddenFill>
-            </a:ext>
-          </a:extLst>
+            <a:gdLst>
+              <a:gd name="T0" fmla="*/ 3362 w 21600"/>
+              <a:gd name="T1" fmla="*/ 0 h 21600"/>
+              <a:gd name="T2" fmla="*/ 3362 w 21600"/>
+              <a:gd name="T3" fmla="*/ 7173 h 21600"/>
+              <a:gd name="T4" fmla="*/ 18327 w 21600"/>
+              <a:gd name="T5" fmla="*/ 0 h 21600"/>
+              <a:gd name="T6" fmla="*/ 18327 w 21600"/>
+              <a:gd name="T7" fmla="*/ 7173 h 21600"/>
+              <a:gd name="T8" fmla="*/ 10800 w 21600"/>
+              <a:gd name="T9" fmla="*/ 0 h 21600"/>
+              <a:gd name="T10" fmla="*/ 10800 w 21600"/>
+              <a:gd name="T11" fmla="*/ 21600 h 21600"/>
+              <a:gd name="T12" fmla="*/ 0 w 21600"/>
+              <a:gd name="T13" fmla="*/ 21600 h 21600"/>
+              <a:gd name="T14" fmla="*/ 21600 w 21600"/>
+              <a:gd name="T15" fmla="*/ 21600 h 21600"/>
+              <a:gd name="T16" fmla="*/ 4445 w 21600"/>
+              <a:gd name="T17" fmla="*/ 1858 h 21600"/>
+              <a:gd name="T18" fmla="*/ 17311 w 21600"/>
+              <a:gd name="T19" fmla="*/ 12323 h 21600"/>
+            </a:gdLst>
+            <a:ahLst/>
+            <a:cxnLst>
+              <a:cxn ang="0">
+                <a:pos x="T0" y="T1"/>
+              </a:cxn>
+              <a:cxn ang="0">
+                <a:pos x="T2" y="T3"/>
+              </a:cxn>
+              <a:cxn ang="0">
+                <a:pos x="T4" y="T5"/>
+              </a:cxn>
+              <a:cxn ang="0">
+                <a:pos x="T6" y="T7"/>
+              </a:cxn>
+              <a:cxn ang="0">
+                <a:pos x="T8" y="T9"/>
+              </a:cxn>
+              <a:cxn ang="0">
+                <a:pos x="T10" y="T11"/>
+              </a:cxn>
+              <a:cxn ang="0">
+                <a:pos x="T12" y="T13"/>
+              </a:cxn>
+              <a:cxn ang="0">
+                <a:pos x="T14" y="T15"/>
+              </a:cxn>
+            </a:cxnLst>
+            <a:rect l="T16" t="T17" r="T18" b="T19"/>
+            <a:pathLst>
+              <a:path w="21600" h="21600" extrusionOk="0">
+                <a:moveTo>
+                  <a:pt x="3362" y="0"/>
+                </a:moveTo>
+                <a:lnTo>
+                  <a:pt x="18327" y="0"/>
+                </a:lnTo>
+                <a:lnTo>
+                  <a:pt x="18327" y="14347"/>
+                </a:lnTo>
+                <a:lnTo>
+                  <a:pt x="3362" y="14347"/>
+                </a:lnTo>
+                <a:lnTo>
+                  <a:pt x="3362" y="0"/>
+                </a:lnTo>
+                <a:close/>
+              </a:path>
+              <a:path w="21600" h="21600" extrusionOk="0">
+                <a:moveTo>
+                  <a:pt x="3340" y="15068"/>
+                </a:moveTo>
+                <a:lnTo>
+                  <a:pt x="0" y="19877"/>
+                </a:lnTo>
+                <a:lnTo>
+                  <a:pt x="21600" y="19877"/>
+                </a:lnTo>
+                <a:lnTo>
+                  <a:pt x="18327" y="15068"/>
+                </a:lnTo>
+                <a:lnTo>
+                  <a:pt x="3340" y="15068"/>
+                </a:lnTo>
+                <a:close/>
+              </a:path>
+              <a:path w="21600" h="21600" extrusionOk="0">
+                <a:moveTo>
+                  <a:pt x="0" y="19877"/>
+                </a:moveTo>
+                <a:lnTo>
+                  <a:pt x="0" y="21600"/>
+                </a:lnTo>
+                <a:lnTo>
+                  <a:pt x="21600" y="21600"/>
+                </a:lnTo>
+                <a:lnTo>
+                  <a:pt x="21600" y="19877"/>
+                </a:lnTo>
+                <a:lnTo>
+                  <a:pt x="0" y="19877"/>
+                </a:lnTo>
+                <a:close/>
+              </a:path>
+              <a:path w="21600" h="21600" extrusionOk="0">
+                <a:moveTo>
+                  <a:pt x="4186" y="1523"/>
+                </a:moveTo>
+                <a:lnTo>
+                  <a:pt x="17547" y="1523"/>
+                </a:lnTo>
+                <a:lnTo>
+                  <a:pt x="17547" y="12744"/>
+                </a:lnTo>
+                <a:lnTo>
+                  <a:pt x="4186" y="12744"/>
+                </a:lnTo>
+                <a:lnTo>
+                  <a:pt x="4186" y="1523"/>
+                </a:lnTo>
+                <a:close/>
+              </a:path>
+              <a:path w="21600" h="21600" extrusionOk="0">
+                <a:moveTo>
+                  <a:pt x="3318" y="15549"/>
+                </a:moveTo>
+                <a:lnTo>
+                  <a:pt x="2917" y="16110"/>
+                </a:lnTo>
+                <a:lnTo>
+                  <a:pt x="18727" y="16110"/>
+                </a:lnTo>
+                <a:lnTo>
+                  <a:pt x="18327" y="15549"/>
+                </a:lnTo>
+                <a:lnTo>
+                  <a:pt x="3318" y="15549"/>
+                </a:lnTo>
+                <a:close/>
+              </a:path>
+              <a:path w="21600" h="21600" extrusionOk="0">
+                <a:moveTo>
+                  <a:pt x="6213" y="18314"/>
+                </a:moveTo>
+                <a:lnTo>
+                  <a:pt x="5946" y="18875"/>
+                </a:lnTo>
+                <a:lnTo>
+                  <a:pt x="15766" y="18875"/>
+                </a:lnTo>
+                <a:lnTo>
+                  <a:pt x="15499" y="18314"/>
+                </a:lnTo>
+                <a:lnTo>
+                  <a:pt x="6213" y="18314"/>
+                </a:lnTo>
+                <a:close/>
+              </a:path>
+              <a:path w="21600" h="21600" extrusionOk="0">
+                <a:moveTo>
+                  <a:pt x="2828" y="16471"/>
+                </a:moveTo>
+                <a:lnTo>
+                  <a:pt x="2405" y="17072"/>
+                </a:lnTo>
+                <a:lnTo>
+                  <a:pt x="19284" y="17072"/>
+                </a:lnTo>
+                <a:lnTo>
+                  <a:pt x="18839" y="16471"/>
+                </a:lnTo>
+                <a:lnTo>
+                  <a:pt x="2828" y="16471"/>
+                </a:lnTo>
+                <a:close/>
+              </a:path>
+              <a:path w="21600" h="21600" extrusionOk="0">
+                <a:moveTo>
+                  <a:pt x="2316" y="17352"/>
+                </a:moveTo>
+                <a:lnTo>
+                  <a:pt x="1871" y="17953"/>
+                </a:lnTo>
+                <a:lnTo>
+                  <a:pt x="19863" y="17953"/>
+                </a:lnTo>
+                <a:lnTo>
+                  <a:pt x="19395" y="17352"/>
+                </a:lnTo>
+                <a:lnTo>
+                  <a:pt x="2316" y="17352"/>
+                </a:lnTo>
+                <a:close/>
+              </a:path>
+            </a:pathLst>
+          </a:custGeom>
+          <a:solidFill>
+            <a:srgbClr val="C0C0C0"/>
+          </a:solidFill>
+          <a:ln w="9525">
+            <a:solidFill>
+              <a:srgbClr val="000000"/>
+            </a:solidFill>
+            <a:miter lim="800000"/>
+            <a:headEnd/>
+            <a:tailEnd/>
+          </a:ln>
         </p:spPr>
-      </p:pic>
+        <p:txBody>
+          <a:bodyPr vert="horz" wrap="square" lIns="91440" tIns="45720" rIns="91440" bIns="45720" numCol="1" anchor="t" anchorCtr="0" compatLnSpc="1">
+            <a:prstTxWarp prst="textNoShape">
+              <a:avLst/>
+            </a:prstTxWarp>
+          </a:bodyPr>
+          <a:lstStyle/>
+          <a:p>
+            <a:endParaRPr lang="en-US"/>
+          </a:p>
+        </p:txBody>
+      </p:sp>
     </p:spTree>
     <p:extLst>
       <p:ext uri="{BB962C8B-B14F-4D97-AF65-F5344CB8AC3E}">
@@ -4095,51 +4248,6 @@
                                         </p:cTn>
                                         <p:tgtEl>
                                           <p:spTgt spid="6"/>
-                                        </p:tgtEl>
-                                        <p:attrNameLst>
-                                          <p:attrName>style.visibility</p:attrName>
-                                        </p:attrNameLst>
-                                      </p:cBhvr>
-                                      <p:to>
-                                        <p:strVal val="visible"/>
-                                      </p:to>
-                                    </p:set>
-                                  </p:childTnLst>
-                                </p:cTn>
-                              </p:par>
-                            </p:childTnLst>
-                          </p:cTn>
-                        </p:par>
-                      </p:childTnLst>
-                    </p:cTn>
-                  </p:par>
-                  <p:par>
-                    <p:cTn id="7" fill="hold">
-                      <p:stCondLst>
-                        <p:cond delay="indefinite"/>
-                      </p:stCondLst>
-                      <p:childTnLst>
-                        <p:par>
-                          <p:cTn id="8" fill="hold">
-                            <p:stCondLst>
-                              <p:cond delay="0"/>
-                            </p:stCondLst>
-                            <p:childTnLst>
-                              <p:par>
-                                <p:cTn id="9" presetID="1" presetClass="entr" presetSubtype="0" fill="hold" nodeType="clickEffect">
-                                  <p:stCondLst>
-                                    <p:cond delay="0"/>
-                                  </p:stCondLst>
-                                  <p:childTnLst>
-                                    <p:set>
-                                      <p:cBhvr>
-                                        <p:cTn id="10" dur="1" fill="hold">
-                                          <p:stCondLst>
-                                            <p:cond delay="0"/>
-                                          </p:stCondLst>
-                                        </p:cTn>
-                                        <p:tgtEl>
-                                          <p:spTgt spid="1030"/>
                                         </p:tgtEl>
                                         <p:attrNameLst>
                                           <p:attrName>style.visibility</p:attrName>
@@ -4247,47 +4355,6 @@
       </p:sp>
       <p:pic>
         <p:nvPicPr>
-          <p:cNvPr id="1027" name="Picture 3" descr="C:\Users\bitmask\AppData\Local\Microsoft\Windows\Temporary Internet Files\Content.IE5\IS45JO48\MP900433172[1].jpg"/>
-          <p:cNvPicPr>
-            <a:picLocks noChangeAspect="1" noChangeArrowheads="1"/>
-          </p:cNvPicPr>
-          <p:nvPr/>
-        </p:nvPicPr>
-        <p:blipFill>
-          <a:blip r:embed="rId2" cstate="print">
-            <a:extLst>
-              <a:ext uri="{28A0092B-C50C-407E-A947-70E740481C1C}">
-                <a14:useLocalDpi xmlns:a14="http://schemas.microsoft.com/office/drawing/2010/main" val="0"/>
-              </a:ext>
-            </a:extLst>
-          </a:blip>
-          <a:srcRect/>
-          <a:stretch>
-            <a:fillRect/>
-          </a:stretch>
-        </p:blipFill>
-        <p:spPr bwMode="auto">
-          <a:xfrm>
-            <a:off x="2520918" y="1585426"/>
-            <a:ext cx="1819656" cy="1824870"/>
-          </a:xfrm>
-          <a:prstGeom prst="rect">
-            <a:avLst/>
-          </a:prstGeom>
-          <a:noFill/>
-          <a:extLst>
-            <a:ext uri="{909E8E84-426E-40DD-AFC4-6F175D3DCCD1}">
-              <a14:hiddenFill xmlns:a14="http://schemas.microsoft.com/office/drawing/2010/main">
-                <a:solidFill>
-                  <a:srgbClr val="FFFFFF"/>
-                </a:solidFill>
-              </a14:hiddenFill>
-            </a:ext>
-          </a:extLst>
-        </p:spPr>
-      </p:pic>
-      <p:pic>
-        <p:nvPicPr>
           <p:cNvPr id="1028" name="Picture 4" descr="C:\Users\bitmask\AppData\Local\Microsoft\Windows\Temporary Internet Files\Content.IE5\0LRUOZF2\MC900435242[1].png"/>
           <p:cNvPicPr>
             <a:picLocks noChangeAspect="1" noChangeArrowheads="1"/>
@@ -4295,7 +4362,7 @@
           <p:nvPr/>
         </p:nvPicPr>
         <p:blipFill>
-          <a:blip r:embed="rId3">
+          <a:blip r:embed="rId2">
             <a:extLst>
               <a:ext uri="{28A0092B-C50C-407E-A947-70E740481C1C}">
                 <a14:useLocalDpi xmlns:a14="http://schemas.microsoft.com/office/drawing/2010/main" val="0"/>
@@ -4394,7 +4461,7 @@
           <p:nvPr/>
         </p:nvPicPr>
         <p:blipFill>
-          <a:blip r:embed="rId4" cstate="print">
+          <a:blip r:embed="rId3" cstate="print">
             <a:extLst>
               <a:ext uri="{28A0092B-C50C-407E-A947-70E740481C1C}">
                 <a14:useLocalDpi xmlns:a14="http://schemas.microsoft.com/office/drawing/2010/main" val="0"/>
@@ -4435,7 +4502,7 @@
           <p:nvPr/>
         </p:nvPicPr>
         <p:blipFill>
-          <a:blip r:embed="rId5">
+          <a:blip r:embed="rId4">
             <a:extLst>
               <a:ext uri="{28A0092B-C50C-407E-A947-70E740481C1C}">
                 <a14:useLocalDpi xmlns:a14="http://schemas.microsoft.com/office/drawing/2010/main" val="0"/>
@@ -4476,7 +4543,7 @@
           <p:nvPr/>
         </p:nvPicPr>
         <p:blipFill>
-          <a:blip r:embed="rId6">
+          <a:blip r:embed="rId5">
             <a:extLst>
               <a:ext uri="{28A0092B-C50C-407E-A947-70E740481C1C}">
                 <a14:useLocalDpi xmlns:a14="http://schemas.microsoft.com/office/drawing/2010/main" val="0"/>
@@ -4508,6 +4575,242 @@
           </a:extLst>
         </p:spPr>
       </p:pic>
+      <p:sp>
+        <p:nvSpPr>
+          <p:cNvPr id="10" name="laptop"/>
+          <p:cNvSpPr>
+            <a:spLocks noEditPoints="1" noChangeArrowheads="1"/>
+          </p:cNvSpPr>
+          <p:nvPr/>
+        </p:nvSpPr>
+        <p:spPr bwMode="auto">
+          <a:xfrm>
+            <a:off x="2562482" y="1533525"/>
+            <a:ext cx="1809750" cy="1362075"/>
+          </a:xfrm>
+          <a:custGeom>
+            <a:avLst/>
+            <a:gdLst>
+              <a:gd name="T0" fmla="*/ 3362 w 21600"/>
+              <a:gd name="T1" fmla="*/ 0 h 21600"/>
+              <a:gd name="T2" fmla="*/ 3362 w 21600"/>
+              <a:gd name="T3" fmla="*/ 7173 h 21600"/>
+              <a:gd name="T4" fmla="*/ 18327 w 21600"/>
+              <a:gd name="T5" fmla="*/ 0 h 21600"/>
+              <a:gd name="T6" fmla="*/ 18327 w 21600"/>
+              <a:gd name="T7" fmla="*/ 7173 h 21600"/>
+              <a:gd name="T8" fmla="*/ 10800 w 21600"/>
+              <a:gd name="T9" fmla="*/ 0 h 21600"/>
+              <a:gd name="T10" fmla="*/ 10800 w 21600"/>
+              <a:gd name="T11" fmla="*/ 21600 h 21600"/>
+              <a:gd name="T12" fmla="*/ 0 w 21600"/>
+              <a:gd name="T13" fmla="*/ 21600 h 21600"/>
+              <a:gd name="T14" fmla="*/ 21600 w 21600"/>
+              <a:gd name="T15" fmla="*/ 21600 h 21600"/>
+              <a:gd name="T16" fmla="*/ 4445 w 21600"/>
+              <a:gd name="T17" fmla="*/ 1858 h 21600"/>
+              <a:gd name="T18" fmla="*/ 17311 w 21600"/>
+              <a:gd name="T19" fmla="*/ 12323 h 21600"/>
+            </a:gdLst>
+            <a:ahLst/>
+            <a:cxnLst>
+              <a:cxn ang="0">
+                <a:pos x="T0" y="T1"/>
+              </a:cxn>
+              <a:cxn ang="0">
+                <a:pos x="T2" y="T3"/>
+              </a:cxn>
+              <a:cxn ang="0">
+                <a:pos x="T4" y="T5"/>
+              </a:cxn>
+              <a:cxn ang="0">
+                <a:pos x="T6" y="T7"/>
+              </a:cxn>
+              <a:cxn ang="0">
+                <a:pos x="T8" y="T9"/>
+              </a:cxn>
+              <a:cxn ang="0">
+                <a:pos x="T10" y="T11"/>
+              </a:cxn>
+              <a:cxn ang="0">
+                <a:pos x="T12" y="T13"/>
+              </a:cxn>
+              <a:cxn ang="0">
+                <a:pos x="T14" y="T15"/>
+              </a:cxn>
+            </a:cxnLst>
+            <a:rect l="T16" t="T17" r="T18" b="T19"/>
+            <a:pathLst>
+              <a:path w="21600" h="21600" extrusionOk="0">
+                <a:moveTo>
+                  <a:pt x="3362" y="0"/>
+                </a:moveTo>
+                <a:lnTo>
+                  <a:pt x="18327" y="0"/>
+                </a:lnTo>
+                <a:lnTo>
+                  <a:pt x="18327" y="14347"/>
+                </a:lnTo>
+                <a:lnTo>
+                  <a:pt x="3362" y="14347"/>
+                </a:lnTo>
+                <a:lnTo>
+                  <a:pt x="3362" y="0"/>
+                </a:lnTo>
+                <a:close/>
+              </a:path>
+              <a:path w="21600" h="21600" extrusionOk="0">
+                <a:moveTo>
+                  <a:pt x="3340" y="15068"/>
+                </a:moveTo>
+                <a:lnTo>
+                  <a:pt x="0" y="19877"/>
+                </a:lnTo>
+                <a:lnTo>
+                  <a:pt x="21600" y="19877"/>
+                </a:lnTo>
+                <a:lnTo>
+                  <a:pt x="18327" y="15068"/>
+                </a:lnTo>
+                <a:lnTo>
+                  <a:pt x="3340" y="15068"/>
+                </a:lnTo>
+                <a:close/>
+              </a:path>
+              <a:path w="21600" h="21600" extrusionOk="0">
+                <a:moveTo>
+                  <a:pt x="0" y="19877"/>
+                </a:moveTo>
+                <a:lnTo>
+                  <a:pt x="0" y="21600"/>
+                </a:lnTo>
+                <a:lnTo>
+                  <a:pt x="21600" y="21600"/>
+                </a:lnTo>
+                <a:lnTo>
+                  <a:pt x="21600" y="19877"/>
+                </a:lnTo>
+                <a:lnTo>
+                  <a:pt x="0" y="19877"/>
+                </a:lnTo>
+                <a:close/>
+              </a:path>
+              <a:path w="21600" h="21600" extrusionOk="0">
+                <a:moveTo>
+                  <a:pt x="4186" y="1523"/>
+                </a:moveTo>
+                <a:lnTo>
+                  <a:pt x="17547" y="1523"/>
+                </a:lnTo>
+                <a:lnTo>
+                  <a:pt x="17547" y="12744"/>
+                </a:lnTo>
+                <a:lnTo>
+                  <a:pt x="4186" y="12744"/>
+                </a:lnTo>
+                <a:lnTo>
+                  <a:pt x="4186" y="1523"/>
+                </a:lnTo>
+                <a:close/>
+              </a:path>
+              <a:path w="21600" h="21600" extrusionOk="0">
+                <a:moveTo>
+                  <a:pt x="3318" y="15549"/>
+                </a:moveTo>
+                <a:lnTo>
+                  <a:pt x="2917" y="16110"/>
+                </a:lnTo>
+                <a:lnTo>
+                  <a:pt x="18727" y="16110"/>
+                </a:lnTo>
+                <a:lnTo>
+                  <a:pt x="18327" y="15549"/>
+                </a:lnTo>
+                <a:lnTo>
+                  <a:pt x="3318" y="15549"/>
+                </a:lnTo>
+                <a:close/>
+              </a:path>
+              <a:path w="21600" h="21600" extrusionOk="0">
+                <a:moveTo>
+                  <a:pt x="6213" y="18314"/>
+                </a:moveTo>
+                <a:lnTo>
+                  <a:pt x="5946" y="18875"/>
+                </a:lnTo>
+                <a:lnTo>
+                  <a:pt x="15766" y="18875"/>
+                </a:lnTo>
+                <a:lnTo>
+                  <a:pt x="15499" y="18314"/>
+                </a:lnTo>
+                <a:lnTo>
+                  <a:pt x="6213" y="18314"/>
+                </a:lnTo>
+                <a:close/>
+              </a:path>
+              <a:path w="21600" h="21600" extrusionOk="0">
+                <a:moveTo>
+                  <a:pt x="2828" y="16471"/>
+                </a:moveTo>
+                <a:lnTo>
+                  <a:pt x="2405" y="17072"/>
+                </a:lnTo>
+                <a:lnTo>
+                  <a:pt x="19284" y="17072"/>
+                </a:lnTo>
+                <a:lnTo>
+                  <a:pt x="18839" y="16471"/>
+                </a:lnTo>
+                <a:lnTo>
+                  <a:pt x="2828" y="16471"/>
+                </a:lnTo>
+                <a:close/>
+              </a:path>
+              <a:path w="21600" h="21600" extrusionOk="0">
+                <a:moveTo>
+                  <a:pt x="2316" y="17352"/>
+                </a:moveTo>
+                <a:lnTo>
+                  <a:pt x="1871" y="17953"/>
+                </a:lnTo>
+                <a:lnTo>
+                  <a:pt x="19863" y="17953"/>
+                </a:lnTo>
+                <a:lnTo>
+                  <a:pt x="19395" y="17352"/>
+                </a:lnTo>
+                <a:lnTo>
+                  <a:pt x="2316" y="17352"/>
+                </a:lnTo>
+                <a:close/>
+              </a:path>
+            </a:pathLst>
+          </a:custGeom>
+          <a:solidFill>
+            <a:srgbClr val="C0C0C0"/>
+          </a:solidFill>
+          <a:ln w="9525">
+            <a:solidFill>
+              <a:srgbClr val="000000"/>
+            </a:solidFill>
+            <a:miter lim="800000"/>
+            <a:headEnd/>
+            <a:tailEnd/>
+          </a:ln>
+        </p:spPr>
+        <p:txBody>
+          <a:bodyPr vert="horz" wrap="square" lIns="91440" tIns="45720" rIns="91440" bIns="45720" numCol="1" anchor="t" anchorCtr="0" compatLnSpc="1">
+            <a:prstTxWarp prst="textNoShape">
+              <a:avLst/>
+            </a:prstTxWarp>
+          </a:bodyPr>
+          <a:lstStyle/>
+          <a:p>
+            <a:endParaRPr lang="en-US"/>
+          </a:p>
+        </p:txBody>
+      </p:sp>
     </p:spTree>
     <p:extLst>
       <p:ext uri="{BB962C8B-B14F-4D97-AF65-F5344CB8AC3E}">
@@ -4555,7 +4858,7 @@
                                           </p:stCondLst>
                                         </p:cTn>
                                         <p:tgtEl>
-                                          <p:spTgt spid="1027"/>
+                                          <p:spTgt spid="2052"/>
                                         </p:tgtEl>
                                         <p:attrNameLst>
                                           <p:attrName>style.visibility</p:attrName>
@@ -4569,7 +4872,7 @@
                                       <p:cBhvr>
                                         <p:cTn id="7" dur="500"/>
                                         <p:tgtEl>
-                                          <p:spTgt spid="1027"/>
+                                          <p:spTgt spid="2052"/>
                                         </p:tgtEl>
                                       </p:cBhvr>
                                     </p:animEffect>
@@ -4608,7 +4911,7 @@
                                           </p:stCondLst>
                                         </p:cTn>
                                         <p:tgtEl>
-                                          <p:spTgt spid="2052"/>
+                                          <p:spTgt spid="8"/>
                                         </p:tgtEl>
                                         <p:attrNameLst>
                                           <p:attrName>style.visibility</p:attrName>
@@ -4622,7 +4925,7 @@
                                       <p:cBhvr>
                                         <p:cTn id="12" dur="500"/>
                                         <p:tgtEl>
-                                          <p:spTgt spid="2052"/>
+                                          <p:spTgt spid="8"/>
                                         </p:tgtEl>
                                       </p:cBhvr>
                                     </p:animEffect>
@@ -4661,7 +4964,7 @@
                                           </p:stCondLst>
                                         </p:cTn>
                                         <p:tgtEl>
-                                          <p:spTgt spid="8"/>
+                                          <p:spTgt spid="2051"/>
                                         </p:tgtEl>
                                         <p:attrNameLst>
                                           <p:attrName>style.visibility</p:attrName>
@@ -4675,7 +4978,7 @@
                                       <p:cBhvr>
                                         <p:cTn id="17" dur="500"/>
                                         <p:tgtEl>
-                                          <p:spTgt spid="8"/>
+                                          <p:spTgt spid="2051"/>
                                         </p:tgtEl>
                                       </p:cBhvr>
                                     </p:animEffect>
@@ -4701,7 +5004,7 @@
                             </p:stCondLst>
                             <p:childTnLst>
                               <p:par>
-                                <p:cTn id="20" presetID="10" presetClass="entr" presetSubtype="0" fill="hold" nodeType="clickEffect">
+                                <p:cTn id="20" presetID="10" presetClass="entr" presetSubtype="0" fill="hold" grpId="0" nodeType="clickEffect">
                                   <p:stCondLst>
                                     <p:cond delay="0"/>
                                   </p:stCondLst>
@@ -4709,59 +5012,6 @@
                                     <p:set>
                                       <p:cBhvr>
                                         <p:cTn id="21" dur="1" fill="hold">
-                                          <p:stCondLst>
-                                            <p:cond delay="0"/>
-                                          </p:stCondLst>
-                                        </p:cTn>
-                                        <p:tgtEl>
-                                          <p:spTgt spid="2051"/>
-                                        </p:tgtEl>
-                                        <p:attrNameLst>
-                                          <p:attrName>style.visibility</p:attrName>
-                                        </p:attrNameLst>
-                                      </p:cBhvr>
-                                      <p:to>
-                                        <p:strVal val="visible"/>
-                                      </p:to>
-                                    </p:set>
-                                    <p:animEffect transition="in" filter="fade">
-                                      <p:cBhvr>
-                                        <p:cTn id="22" dur="500"/>
-                                        <p:tgtEl>
-                                          <p:spTgt spid="2051"/>
-                                        </p:tgtEl>
-                                      </p:cBhvr>
-                                    </p:animEffect>
-                                  </p:childTnLst>
-                                </p:cTn>
-                              </p:par>
-                            </p:childTnLst>
-                          </p:cTn>
-                        </p:par>
-                      </p:childTnLst>
-                    </p:cTn>
-                  </p:par>
-                  <p:par>
-                    <p:cTn id="23" fill="hold">
-                      <p:stCondLst>
-                        <p:cond delay="indefinite"/>
-                      </p:stCondLst>
-                      <p:childTnLst>
-                        <p:par>
-                          <p:cTn id="24" fill="hold">
-                            <p:stCondLst>
-                              <p:cond delay="0"/>
-                            </p:stCondLst>
-                            <p:childTnLst>
-                              <p:par>
-                                <p:cTn id="25" presetID="10" presetClass="entr" presetSubtype="0" fill="hold" grpId="0" nodeType="clickEffect">
-                                  <p:stCondLst>
-                                    <p:cond delay="0"/>
-                                  </p:stCondLst>
-                                  <p:childTnLst>
-                                    <p:set>
-                                      <p:cBhvr>
-                                        <p:cTn id="26" dur="1" fill="hold">
                                           <p:stCondLst>
                                             <p:cond delay="0"/>
                                           </p:stCondLst>
@@ -4779,7 +5029,7 @@
                                     </p:set>
                                     <p:animEffect transition="in" filter="fade">
                                       <p:cBhvr>
-                                        <p:cTn id="27" dur="500"/>
+                                        <p:cTn id="22" dur="500"/>
                                         <p:tgtEl>
                                           <p:spTgt spid="6"/>
                                         </p:tgtEl>
@@ -7876,6 +8126,21 @@
 </file>
 
 <file path=customXml/item1.xml><?xml version="1.0" encoding="utf-8"?>
+<p:properties xmlns:p="http://schemas.microsoft.com/office/2006/metadata/properties" xmlns:xsi="http://www.w3.org/2001/XMLSchema-instance">
+  <documentManagement/>
+</p:properties>
+</file>
+
+<file path=customXml/item2.xml><?xml version="1.0" encoding="utf-8"?>
+<?mso-contentType ?>
+<FormTemplates xmlns="http://schemas.microsoft.com/sharepoint/v3/contenttype/forms">
+  <Display>DocumentLibraryForm</Display>
+  <Edit>DocumentLibraryForm</Edit>
+  <New>DocumentLibraryForm</New>
+</FormTemplates>
+</file>
+
+<file path=customXml/item3.xml><?xml version="1.0" encoding="utf-8"?>
 <ct:contentTypeSchema xmlns:ct="http://schemas.microsoft.com/office/2006/metadata/contentType" xmlns:ma="http://schemas.microsoft.com/office/2006/metadata/properties/metaAttributes" ct:_="" ma:_="" ma:contentTypeName="Document" ma:contentTypeID="0x0101003865B9DCC8F7FB4A82840FBDE1FC983A" ma:contentTypeVersion="0" ma:contentTypeDescription="Create a new document." ma:contentTypeScope="" ma:versionID="ecd0916681f32cda70880b341f4a8911">
   <xsd:schema xmlns:xsd="http://www.w3.org/2001/XMLSchema" xmlns:p="http://schemas.microsoft.com/office/2006/metadata/properties" targetNamespace="http://schemas.microsoft.com/office/2006/metadata/properties" ma:root="true" ma:fieldsID="4aeb20c0e3442673af7ee10786458764">
     <xsd:element name="properties">
@@ -7924,32 +8189,16 @@
 </ct:contentTypeSchema>
 </file>
 
-<file path=customXml/item2.xml><?xml version="1.0" encoding="utf-8"?>
-<?mso-contentType ?>
-<FormTemplates xmlns="http://schemas.microsoft.com/sharepoint/v3/contenttype/forms">
-  <Display>DocumentLibraryForm</Display>
-  <Edit>DocumentLibraryForm</Edit>
-  <New>DocumentLibraryForm</New>
-</FormTemplates>
-</file>
-
-<file path=customXml/item3.xml><?xml version="1.0" encoding="utf-8"?>
-<p:properties xmlns:p="http://schemas.microsoft.com/office/2006/metadata/properties" xmlns:xsi="http://www.w3.org/2001/XMLSchema-instance">
-  <documentManagement/>
-</p:properties>
-</file>
-
 <file path=customXml/itemProps1.xml><?xml version="1.0" encoding="utf-8"?>
-<ds:datastoreItem xmlns:ds="http://schemas.openxmlformats.org/officeDocument/2006/customXml" ds:itemID="{1DEB1AF8-B785-4B22-89EC-168618F34A5B}">
+<ds:datastoreItem xmlns:ds="http://schemas.openxmlformats.org/officeDocument/2006/customXml" ds:itemID="{2D498799-B0FC-4B7A-8396-BFC34D805990}">
   <ds:schemaRefs>
-    <ds:schemaRef ds:uri="http://schemas.microsoft.com/office/2006/metadata/contentType"/>
-    <ds:schemaRef ds:uri="http://schemas.microsoft.com/office/2006/metadata/properties/metaAttributes"/>
-    <ds:schemaRef ds:uri="http://www.w3.org/2001/XMLSchema"/>
+    <ds:schemaRef ds:uri="http://purl.org/dc/terms/"/>
+    <ds:schemaRef ds:uri="http://www.w3.org/XML/1998/namespace"/>
+    <ds:schemaRef ds:uri="http://schemas.microsoft.com/office/2006/documentManagement/types"/>
+    <ds:schemaRef ds:uri="http://purl.org/dc/dcmitype/"/>
+    <ds:schemaRef ds:uri="http://purl.org/dc/elements/1.1/"/>
+    <ds:schemaRef ds:uri="http://schemas.openxmlformats.org/package/2006/metadata/core-properties"/>
     <ds:schemaRef ds:uri="http://schemas.microsoft.com/office/2006/metadata/properties"/>
-    <ds:schemaRef ds:uri="http://schemas.openxmlformats.org/package/2006/metadata/core-properties"/>
-    <ds:schemaRef ds:uri="http://purl.org/dc/elements/1.1/"/>
-    <ds:schemaRef ds:uri="http://purl.org/dc/terms/"/>
-    <ds:schemaRef ds:uri="http://schemas.microsoft.com/office/internal/2005/internalDocumentation"/>
   </ds:schemaRefs>
 </ds:datastoreItem>
 </file>
@@ -7963,15 +8212,16 @@
 </file>
 
 <file path=customXml/itemProps3.xml><?xml version="1.0" encoding="utf-8"?>
-<ds:datastoreItem xmlns:ds="http://schemas.openxmlformats.org/officeDocument/2006/customXml" ds:itemID="{2D498799-B0FC-4B7A-8396-BFC34D805990}">
+<ds:datastoreItem xmlns:ds="http://schemas.openxmlformats.org/officeDocument/2006/customXml" ds:itemID="{1DEB1AF8-B785-4B22-89EC-168618F34A5B}">
   <ds:schemaRefs>
+    <ds:schemaRef ds:uri="http://schemas.microsoft.com/office/2006/metadata/contentType"/>
+    <ds:schemaRef ds:uri="http://schemas.microsoft.com/office/2006/metadata/properties/metaAttributes"/>
+    <ds:schemaRef ds:uri="http://www.w3.org/2001/XMLSchema"/>
+    <ds:schemaRef ds:uri="http://schemas.microsoft.com/office/2006/metadata/properties"/>
+    <ds:schemaRef ds:uri="http://schemas.openxmlformats.org/package/2006/metadata/core-properties"/>
     <ds:schemaRef ds:uri="http://purl.org/dc/elements/1.1/"/>
-    <ds:schemaRef ds:uri="http://schemas.microsoft.com/office/2006/documentManagement/types"/>
-    <ds:schemaRef ds:uri="http://schemas.openxmlformats.org/package/2006/metadata/core-properties"/>
     <ds:schemaRef ds:uri="http://purl.org/dc/terms/"/>
-    <ds:schemaRef ds:uri="http://schemas.microsoft.com/office/2006/metadata/properties"/>
-    <ds:schemaRef ds:uri="http://www.w3.org/XML/1998/namespace"/>
-    <ds:schemaRef ds:uri="http://purl.org/dc/dcmitype/"/>
+    <ds:schemaRef ds:uri="http://schemas.microsoft.com/office/internal/2005/internalDocumentation"/>
   </ds:schemaRefs>
 </ds:datastoreItem>
 </file>